--- a/PPT/112403專題複評二審.pptx
+++ b/PPT/112403專題複評二審.pptx
@@ -270,38 +270,37 @@
           <a:p>
             <a:pPr lvl="0"/>
             <a:r>
-              <a:rPr lang="zh-TW" altLang="en-US" smtClean="0"/>
+              <a:rPr lang="zh-TW" altLang="en-US"/>
               <a:t>編輯母片文字樣式</a:t>
             </a:r>
           </a:p>
           <a:p>
             <a:pPr lvl="1"/>
             <a:r>
-              <a:rPr lang="zh-TW" altLang="en-US" smtClean="0"/>
+              <a:rPr lang="zh-TW" altLang="en-US"/>
               <a:t>第二層</a:t>
             </a:r>
           </a:p>
           <a:p>
             <a:pPr lvl="2"/>
             <a:r>
-              <a:rPr lang="zh-TW" altLang="en-US" smtClean="0"/>
+              <a:rPr lang="zh-TW" altLang="en-US"/>
               <a:t>第三層</a:t>
             </a:r>
           </a:p>
           <a:p>
             <a:pPr lvl="3"/>
             <a:r>
-              <a:rPr lang="zh-TW" altLang="en-US" smtClean="0"/>
+              <a:rPr lang="zh-TW" altLang="en-US"/>
               <a:t>第四層</a:t>
             </a:r>
           </a:p>
           <a:p>
             <a:pPr lvl="4"/>
             <a:r>
-              <a:rPr lang="zh-TW" altLang="en-US" smtClean="0"/>
+              <a:rPr lang="zh-TW" altLang="en-US"/>
               <a:t>第五層</a:t>
             </a:r>
-            <a:endParaRPr lang="zh-TW" altLang="en-US"/>
           </a:p>
         </p:txBody>
       </p:sp>
@@ -1478,10 +1477,9 @@
           <a:lstStyle/>
           <a:p>
             <a:r>
-              <a:rPr lang="zh-TW" altLang="en-US" smtClean="0"/>
+              <a:rPr lang="zh-TW" altLang="en-US"/>
               <a:t>按一下以編輯母片標題樣式</a:t>
             </a:r>
-            <a:endParaRPr lang="zh-TW" altLang="en-US"/>
           </a:p>
         </p:txBody>
       </p:sp>
@@ -1547,7 +1545,7 @@
           <a:p>
             <a:pPr lvl="0"/>
             <a:r>
-              <a:rPr lang="zh-TW" altLang="en-US" smtClean="0"/>
+              <a:rPr lang="zh-TW" altLang="en-US"/>
               <a:t>編輯母片文字樣式</a:t>
             </a:r>
           </a:p>
@@ -1578,38 +1576,37 @@
           <a:p>
             <a:pPr lvl="0"/>
             <a:r>
-              <a:rPr lang="zh-TW" altLang="en-US" smtClean="0"/>
+              <a:rPr lang="zh-TW" altLang="en-US"/>
               <a:t>編輯母片文字樣式</a:t>
             </a:r>
           </a:p>
           <a:p>
             <a:pPr lvl="1"/>
             <a:r>
-              <a:rPr lang="zh-TW" altLang="en-US" smtClean="0"/>
+              <a:rPr lang="zh-TW" altLang="en-US"/>
               <a:t>第二層</a:t>
             </a:r>
           </a:p>
           <a:p>
             <a:pPr lvl="2"/>
             <a:r>
-              <a:rPr lang="zh-TW" altLang="en-US" smtClean="0"/>
+              <a:rPr lang="zh-TW" altLang="en-US"/>
               <a:t>第三層</a:t>
             </a:r>
           </a:p>
           <a:p>
             <a:pPr lvl="3"/>
             <a:r>
-              <a:rPr lang="zh-TW" altLang="en-US" smtClean="0"/>
+              <a:rPr lang="zh-TW" altLang="en-US"/>
               <a:t>第四層</a:t>
             </a:r>
           </a:p>
           <a:p>
             <a:pPr lvl="4"/>
             <a:r>
-              <a:rPr lang="zh-TW" altLang="en-US" smtClean="0"/>
+              <a:rPr lang="zh-TW" altLang="en-US"/>
               <a:t>第五層</a:t>
             </a:r>
-            <a:endParaRPr lang="zh-TW" altLang="en-US"/>
           </a:p>
         </p:txBody>
       </p:sp>
@@ -1675,7 +1672,7 @@
           <a:p>
             <a:pPr lvl="0"/>
             <a:r>
-              <a:rPr lang="zh-TW" altLang="en-US" smtClean="0"/>
+              <a:rPr lang="zh-TW" altLang="en-US"/>
               <a:t>編輯母片文字樣式</a:t>
             </a:r>
           </a:p>
@@ -1706,38 +1703,37 @@
           <a:p>
             <a:pPr lvl="0"/>
             <a:r>
-              <a:rPr lang="zh-TW" altLang="en-US" smtClean="0"/>
+              <a:rPr lang="zh-TW" altLang="en-US"/>
               <a:t>編輯母片文字樣式</a:t>
             </a:r>
           </a:p>
           <a:p>
             <a:pPr lvl="1"/>
             <a:r>
-              <a:rPr lang="zh-TW" altLang="en-US" smtClean="0"/>
+              <a:rPr lang="zh-TW" altLang="en-US"/>
               <a:t>第二層</a:t>
             </a:r>
           </a:p>
           <a:p>
             <a:pPr lvl="2"/>
             <a:r>
-              <a:rPr lang="zh-TW" altLang="en-US" smtClean="0"/>
+              <a:rPr lang="zh-TW" altLang="en-US"/>
               <a:t>第三層</a:t>
             </a:r>
           </a:p>
           <a:p>
             <a:pPr lvl="3"/>
             <a:r>
-              <a:rPr lang="zh-TW" altLang="en-US" smtClean="0"/>
+              <a:rPr lang="zh-TW" altLang="en-US"/>
               <a:t>第四層</a:t>
             </a:r>
           </a:p>
           <a:p>
             <a:pPr lvl="4"/>
             <a:r>
-              <a:rPr lang="zh-TW" altLang="en-US" smtClean="0"/>
+              <a:rPr lang="zh-TW" altLang="en-US"/>
               <a:t>第五層</a:t>
             </a:r>
-            <a:endParaRPr lang="zh-TW" altLang="en-US"/>
           </a:p>
         </p:txBody>
       </p:sp>
@@ -1764,10 +1760,6 @@
           <a:bodyPr/>
           <a:lstStyle/>
           <a:p>
-            <a:fld id="{4549F12D-8FC8-44DE-A30D-23BC6ECACDCD}" type="datetimeFigureOut">
-              <a:rPr lang="zh-TW" altLang="en-US" smtClean="0"/>
-              <a:t>2023/12/15</a:t>
-            </a:fld>
             <a:endParaRPr lang="zh-TW" altLang="en-US"/>
           </a:p>
         </p:txBody>
@@ -1884,10 +1876,9 @@
           <a:lstStyle/>
           <a:p>
             <a:r>
-              <a:rPr lang="zh-TW" altLang="en-US" smtClean="0"/>
+              <a:rPr lang="zh-TW" altLang="en-US"/>
               <a:t>按一下以編輯母片標題樣式</a:t>
             </a:r>
-            <a:endParaRPr lang="zh-TW" altLang="en-US"/>
           </a:p>
         </p:txBody>
       </p:sp>
@@ -1914,10 +1905,6 @@
           <a:bodyPr/>
           <a:lstStyle/>
           <a:p>
-            <a:fld id="{4549F12D-8FC8-44DE-A30D-23BC6ECACDCD}" type="datetimeFigureOut">
-              <a:rPr lang="zh-TW" altLang="en-US" smtClean="0"/>
-              <a:t>2023/12/15</a:t>
-            </a:fld>
             <a:endParaRPr lang="zh-TW" altLang="en-US"/>
           </a:p>
         </p:txBody>
@@ -2033,10 +2020,6 @@
           <a:bodyPr/>
           <a:lstStyle/>
           <a:p>
-            <a:fld id="{4549F12D-8FC8-44DE-A30D-23BC6ECACDCD}" type="datetimeFigureOut">
-              <a:rPr lang="zh-TW" altLang="en-US" smtClean="0"/>
-              <a:t>2023/12/15</a:t>
-            </a:fld>
             <a:endParaRPr lang="zh-TW" altLang="en-US"/>
           </a:p>
         </p:txBody>
@@ -2109,13 +2092,6 @@
   <p:clrMapOvr>
     <a:masterClrMapping/>
   </p:clrMapOvr>
-  <p:timing>
-    <p:tnLst>
-      <p:par>
-        <p:cTn id="1" dur="indefinite" restart="never" nodeType="tmRoot"/>
-      </p:par>
-    </p:tnLst>
-  </p:timing>
 </p:sldLayout>
 </file>
 
@@ -2164,10 +2140,9 @@
           </a:lstStyle>
           <a:p>
             <a:r>
-              <a:rPr lang="zh-TW" altLang="en-US" smtClean="0"/>
+              <a:rPr lang="zh-TW" altLang="en-US"/>
               <a:t>按一下以編輯母片標題樣式</a:t>
             </a:r>
-            <a:endParaRPr lang="zh-TW" altLang="en-US"/>
           </a:p>
         </p:txBody>
       </p:sp>
@@ -2224,38 +2199,37 @@
           <a:p>
             <a:pPr lvl="0"/>
             <a:r>
-              <a:rPr lang="zh-TW" altLang="en-US" smtClean="0"/>
+              <a:rPr lang="zh-TW" altLang="en-US"/>
               <a:t>編輯母片文字樣式</a:t>
             </a:r>
           </a:p>
           <a:p>
             <a:pPr lvl="1"/>
             <a:r>
-              <a:rPr lang="zh-TW" altLang="en-US" smtClean="0"/>
+              <a:rPr lang="zh-TW" altLang="en-US"/>
               <a:t>第二層</a:t>
             </a:r>
           </a:p>
           <a:p>
             <a:pPr lvl="2"/>
             <a:r>
-              <a:rPr lang="zh-TW" altLang="en-US" smtClean="0"/>
+              <a:rPr lang="zh-TW" altLang="en-US"/>
               <a:t>第三層</a:t>
             </a:r>
           </a:p>
           <a:p>
             <a:pPr lvl="3"/>
             <a:r>
-              <a:rPr lang="zh-TW" altLang="en-US" smtClean="0"/>
+              <a:rPr lang="zh-TW" altLang="en-US"/>
               <a:t>第四層</a:t>
             </a:r>
           </a:p>
           <a:p>
             <a:pPr lvl="4"/>
             <a:r>
-              <a:rPr lang="zh-TW" altLang="en-US" smtClean="0"/>
+              <a:rPr lang="zh-TW" altLang="en-US"/>
               <a:t>第五層</a:t>
             </a:r>
-            <a:endParaRPr lang="zh-TW" altLang="en-US"/>
           </a:p>
         </p:txBody>
       </p:sp>
@@ -2321,7 +2295,7 @@
           <a:p>
             <a:pPr lvl="0"/>
             <a:r>
-              <a:rPr lang="zh-TW" altLang="en-US" smtClean="0"/>
+              <a:rPr lang="zh-TW" altLang="en-US"/>
               <a:t>編輯母片文字樣式</a:t>
             </a:r>
           </a:p>
@@ -2350,10 +2324,6 @@
           <a:bodyPr/>
           <a:lstStyle/>
           <a:p>
-            <a:fld id="{4549F12D-8FC8-44DE-A30D-23BC6ECACDCD}" type="datetimeFigureOut">
-              <a:rPr lang="zh-TW" altLang="en-US" smtClean="0"/>
-              <a:t>2023/12/15</a:t>
-            </a:fld>
             <a:endParaRPr lang="zh-TW" altLang="en-US"/>
           </a:p>
         </p:txBody>
@@ -2474,10 +2444,9 @@
           </a:lstStyle>
           <a:p>
             <a:r>
-              <a:rPr lang="zh-TW" altLang="en-US" smtClean="0"/>
+              <a:rPr lang="zh-TW" altLang="en-US"/>
               <a:t>按一下以編輯母片標題樣式</a:t>
             </a:r>
-            <a:endParaRPr lang="zh-TW" altLang="en-US"/>
           </a:p>
         </p:txBody>
       </p:sp>
@@ -2607,7 +2576,7 @@
           <a:p>
             <a:pPr lvl="0"/>
             <a:r>
-              <a:rPr lang="zh-TW" altLang="en-US" smtClean="0"/>
+              <a:rPr lang="zh-TW" altLang="en-US"/>
               <a:t>編輯母片文字樣式</a:t>
             </a:r>
           </a:p>
@@ -2636,10 +2605,6 @@
           <a:bodyPr/>
           <a:lstStyle/>
           <a:p>
-            <a:fld id="{4549F12D-8FC8-44DE-A30D-23BC6ECACDCD}" type="datetimeFigureOut">
-              <a:rPr lang="zh-TW" altLang="en-US" smtClean="0"/>
-              <a:t>2023/12/15</a:t>
-            </a:fld>
             <a:endParaRPr lang="zh-TW" altLang="en-US"/>
           </a:p>
         </p:txBody>
@@ -2756,10 +2721,9 @@
           <a:lstStyle/>
           <a:p>
             <a:r>
-              <a:rPr lang="zh-TW" altLang="en-US" smtClean="0"/>
+              <a:rPr lang="zh-TW" altLang="en-US"/>
               <a:t>按一下以編輯母片標題樣式</a:t>
             </a:r>
-            <a:endParaRPr lang="zh-TW" altLang="en-US"/>
           </a:p>
         </p:txBody>
       </p:sp>
@@ -2788,38 +2752,37 @@
           <a:p>
             <a:pPr lvl="0"/>
             <a:r>
-              <a:rPr lang="zh-TW" altLang="en-US" smtClean="0"/>
+              <a:rPr lang="zh-TW" altLang="en-US"/>
               <a:t>編輯母片文字樣式</a:t>
             </a:r>
           </a:p>
           <a:p>
             <a:pPr lvl="1"/>
             <a:r>
-              <a:rPr lang="zh-TW" altLang="en-US" smtClean="0"/>
+              <a:rPr lang="zh-TW" altLang="en-US"/>
               <a:t>第二層</a:t>
             </a:r>
           </a:p>
           <a:p>
             <a:pPr lvl="2"/>
             <a:r>
-              <a:rPr lang="zh-TW" altLang="en-US" smtClean="0"/>
+              <a:rPr lang="zh-TW" altLang="en-US"/>
               <a:t>第三層</a:t>
             </a:r>
           </a:p>
           <a:p>
             <a:pPr lvl="3"/>
             <a:r>
-              <a:rPr lang="zh-TW" altLang="en-US" smtClean="0"/>
+              <a:rPr lang="zh-TW" altLang="en-US"/>
               <a:t>第四層</a:t>
             </a:r>
           </a:p>
           <a:p>
             <a:pPr lvl="4"/>
             <a:r>
-              <a:rPr lang="zh-TW" altLang="en-US" smtClean="0"/>
+              <a:rPr lang="zh-TW" altLang="en-US"/>
               <a:t>第五層</a:t>
             </a:r>
-            <a:endParaRPr lang="zh-TW" altLang="en-US"/>
           </a:p>
         </p:txBody>
       </p:sp>
@@ -2846,10 +2809,6 @@
           <a:bodyPr/>
           <a:lstStyle/>
           <a:p>
-            <a:fld id="{4549F12D-8FC8-44DE-A30D-23BC6ECACDCD}" type="datetimeFigureOut">
-              <a:rPr lang="zh-TW" altLang="en-US" smtClean="0"/>
-              <a:t>2023/12/15</a:t>
-            </a:fld>
             <a:endParaRPr lang="zh-TW" altLang="en-US"/>
           </a:p>
         </p:txBody>
@@ -2966,10 +2925,9 @@
           <a:lstStyle/>
           <a:p>
             <a:r>
-              <a:rPr lang="zh-TW" altLang="en-US" smtClean="0"/>
+              <a:rPr lang="zh-TW" altLang="en-US"/>
               <a:t>按一下以編輯母片標題樣式</a:t>
             </a:r>
-            <a:endParaRPr lang="zh-TW" altLang="en-US"/>
           </a:p>
         </p:txBody>
       </p:sp>
@@ -2998,38 +2956,37 @@
           <a:p>
             <a:pPr lvl="0"/>
             <a:r>
-              <a:rPr lang="zh-TW" altLang="en-US" smtClean="0"/>
+              <a:rPr lang="zh-TW" altLang="en-US"/>
               <a:t>編輯母片文字樣式</a:t>
             </a:r>
           </a:p>
           <a:p>
             <a:pPr lvl="1"/>
             <a:r>
-              <a:rPr lang="zh-TW" altLang="en-US" smtClean="0"/>
+              <a:rPr lang="zh-TW" altLang="en-US"/>
               <a:t>第二層</a:t>
             </a:r>
           </a:p>
           <a:p>
             <a:pPr lvl="2"/>
             <a:r>
-              <a:rPr lang="zh-TW" altLang="en-US" smtClean="0"/>
+              <a:rPr lang="zh-TW" altLang="en-US"/>
               <a:t>第三層</a:t>
             </a:r>
           </a:p>
           <a:p>
             <a:pPr lvl="3"/>
             <a:r>
-              <a:rPr lang="zh-TW" altLang="en-US" smtClean="0"/>
+              <a:rPr lang="zh-TW" altLang="en-US"/>
               <a:t>第四層</a:t>
             </a:r>
           </a:p>
           <a:p>
             <a:pPr lvl="4"/>
             <a:r>
-              <a:rPr lang="zh-TW" altLang="en-US" smtClean="0"/>
+              <a:rPr lang="zh-TW" altLang="en-US"/>
               <a:t>第五層</a:t>
             </a:r>
-            <a:endParaRPr lang="zh-TW" altLang="en-US"/>
           </a:p>
         </p:txBody>
       </p:sp>
@@ -3056,10 +3013,6 @@
           <a:bodyPr/>
           <a:lstStyle/>
           <a:p>
-            <a:fld id="{4549F12D-8FC8-44DE-A30D-23BC6ECACDCD}" type="datetimeFigureOut">
-              <a:rPr lang="zh-TW" altLang="en-US" smtClean="0"/>
-              <a:t>2023/12/15</a:t>
-            </a:fld>
             <a:endParaRPr lang="zh-TW" altLang="en-US"/>
           </a:p>
         </p:txBody>
@@ -5074,7 +5027,6 @@
       <p:bldP spid="27" grpId="0" animBg="1"/>
     </p:bldLst>
   </p:timing>
-  <p:hf sldNum="0" hdr="0" dt="0"/>
 </p:sldLayout>
 </file>
 
@@ -5870,7 +5822,6 @@
       <p:bldP spid="17" grpId="0" animBg="1"/>
     </p:bldLst>
   </p:timing>
-  <p:hf sldNum="0" hdr="0" dt="0"/>
 </p:sldLayout>
 </file>
 
@@ -5891,56 +5842,6 @@
           <a:chExt cx="0" cy="0"/>
         </a:xfrm>
       </p:grpSpPr>
-      <p:sp>
-        <p:nvSpPr>
-          <p:cNvPr id="7" name="投影片編號版面配置區 11"/>
-          <p:cNvSpPr>
-            <a:spLocks noGrp="1"/>
-          </p:cNvSpPr>
-          <p:nvPr>
-            <p:ph type="sldNum" sz="quarter" idx="12"/>
-          </p:nvPr>
-        </p:nvSpPr>
-        <p:spPr>
-          <a:xfrm>
-            <a:off x="9448800" y="6490370"/>
-            <a:ext cx="2743200" cy="365125"/>
-          </a:xfrm>
-          <a:prstGeom prst="rect">
-            <a:avLst/>
-          </a:prstGeom>
-        </p:spPr>
-        <p:txBody>
-          <a:bodyPr/>
-          <a:lstStyle>
-            <a:lvl1pPr marL="0" algn="r" defTabSz="914400" rtl="0" eaLnBrk="1" latinLnBrk="0" hangingPunct="1">
-              <a:defRPr lang="zh-TW" altLang="en-US" sz="2400" b="1" kern="1200" smtClean="0">
-                <a:solidFill>
-                  <a:schemeClr val="tx1"/>
-                </a:solidFill>
-                <a:effectLst>
-                  <a:outerShdw blurRad="38100" dist="38100" dir="2700000" algn="tl">
-                    <a:srgbClr val="000000">
-                      <a:alpha val="43137"/>
-                    </a:srgbClr>
-                  </a:outerShdw>
-                </a:effectLst>
-                <a:latin typeface="+mn-lt"/>
-                <a:ea typeface="+mn-ea"/>
-                <a:cs typeface="+mn-cs"/>
-              </a:defRPr>
-            </a:lvl1pPr>
-          </a:lstStyle>
-          <a:p>
-            <a:fld id="{795E361D-9413-4254-AA94-27C90436F983}" type="slidenum">
-              <a:rPr lang="en-US" altLang="zh-TW" smtClean="0"/>
-              <a:pPr/>
-              <a:t>‹#›</a:t>
-            </a:fld>
-            <a:endParaRPr lang="en-US" dirty="0"/>
-          </a:p>
-        </p:txBody>
-      </p:sp>
       <p:sp>
         <p:nvSpPr>
           <p:cNvPr id="2" name="橢圓 1"/>
@@ -6521,56 +6422,6 @@
       </p:grpSpPr>
       <p:sp>
         <p:nvSpPr>
-          <p:cNvPr id="7" name="投影片編號版面配置區 11"/>
-          <p:cNvSpPr>
-            <a:spLocks noGrp="1"/>
-          </p:cNvSpPr>
-          <p:nvPr>
-            <p:ph type="sldNum" sz="quarter" idx="12"/>
-          </p:nvPr>
-        </p:nvSpPr>
-        <p:spPr>
-          <a:xfrm>
-            <a:off x="9448800" y="6490370"/>
-            <a:ext cx="2743200" cy="365125"/>
-          </a:xfrm>
-          <a:prstGeom prst="rect">
-            <a:avLst/>
-          </a:prstGeom>
-        </p:spPr>
-        <p:txBody>
-          <a:bodyPr/>
-          <a:lstStyle>
-            <a:lvl1pPr marL="0" algn="r" defTabSz="914400" rtl="0" eaLnBrk="1" latinLnBrk="0" hangingPunct="1">
-              <a:defRPr lang="zh-TW" altLang="en-US" sz="2400" b="1" kern="1200" smtClean="0">
-                <a:solidFill>
-                  <a:schemeClr val="tx1"/>
-                </a:solidFill>
-                <a:effectLst>
-                  <a:outerShdw blurRad="38100" dist="38100" dir="2700000" algn="tl">
-                    <a:srgbClr val="000000">
-                      <a:alpha val="43137"/>
-                    </a:srgbClr>
-                  </a:outerShdw>
-                </a:effectLst>
-                <a:latin typeface="+mn-lt"/>
-                <a:ea typeface="+mn-ea"/>
-                <a:cs typeface="+mn-cs"/>
-              </a:defRPr>
-            </a:lvl1pPr>
-          </a:lstStyle>
-          <a:p>
-            <a:fld id="{795E361D-9413-4254-AA94-27C90436F983}" type="slidenum">
-              <a:rPr lang="en-US" altLang="zh-TW" smtClean="0"/>
-              <a:pPr/>
-              <a:t>‹#›</a:t>
-            </a:fld>
-            <a:endParaRPr lang="en-US" dirty="0"/>
-          </a:p>
-        </p:txBody>
-      </p:sp>
-      <p:sp>
-        <p:nvSpPr>
           <p:cNvPr id="2" name="橢圓 1"/>
           <p:cNvSpPr/>
           <p:nvPr userDrawn="1"/>
@@ -7149,56 +7000,6 @@
       </p:grpSpPr>
       <p:sp>
         <p:nvSpPr>
-          <p:cNvPr id="7" name="投影片編號版面配置區 11"/>
-          <p:cNvSpPr>
-            <a:spLocks noGrp="1"/>
-          </p:cNvSpPr>
-          <p:nvPr>
-            <p:ph type="sldNum" sz="quarter" idx="12"/>
-          </p:nvPr>
-        </p:nvSpPr>
-        <p:spPr>
-          <a:xfrm>
-            <a:off x="9448800" y="6490370"/>
-            <a:ext cx="2743200" cy="365125"/>
-          </a:xfrm>
-          <a:prstGeom prst="rect">
-            <a:avLst/>
-          </a:prstGeom>
-        </p:spPr>
-        <p:txBody>
-          <a:bodyPr/>
-          <a:lstStyle>
-            <a:lvl1pPr marL="0" algn="r" defTabSz="914400" rtl="0" eaLnBrk="1" latinLnBrk="0" hangingPunct="1">
-              <a:defRPr lang="zh-TW" altLang="en-US" sz="2400" b="1" kern="1200" smtClean="0">
-                <a:solidFill>
-                  <a:schemeClr val="tx1"/>
-                </a:solidFill>
-                <a:effectLst>
-                  <a:outerShdw blurRad="38100" dist="38100" dir="2700000" algn="tl">
-                    <a:srgbClr val="000000">
-                      <a:alpha val="43137"/>
-                    </a:srgbClr>
-                  </a:outerShdw>
-                </a:effectLst>
-                <a:latin typeface="+mn-lt"/>
-                <a:ea typeface="+mn-ea"/>
-                <a:cs typeface="+mn-cs"/>
-              </a:defRPr>
-            </a:lvl1pPr>
-          </a:lstStyle>
-          <a:p>
-            <a:fld id="{795E361D-9413-4254-AA94-27C90436F983}" type="slidenum">
-              <a:rPr lang="en-US" altLang="zh-TW" smtClean="0"/>
-              <a:pPr/>
-              <a:t>‹#›</a:t>
-            </a:fld>
-            <a:endParaRPr lang="en-US" dirty="0"/>
-          </a:p>
-        </p:txBody>
-      </p:sp>
-      <p:sp>
-        <p:nvSpPr>
           <p:cNvPr id="2" name="橢圓 1"/>
           <p:cNvSpPr/>
           <p:nvPr userDrawn="1"/>
@@ -7437,13 +7238,6 @@
   <p:clrMapOvr>
     <a:masterClrMapping/>
   </p:clrMapOvr>
-  <p:timing>
-    <p:tnLst>
-      <p:par>
-        <p:cTn id="1" dur="indefinite" restart="never" nodeType="tmRoot"/>
-      </p:par>
-    </p:tnLst>
-  </p:timing>
 </p:sldLayout>
 </file>
 
@@ -7464,56 +7258,6 @@
           <a:chExt cx="0" cy="0"/>
         </a:xfrm>
       </p:grpSpPr>
-      <p:sp>
-        <p:nvSpPr>
-          <p:cNvPr id="7" name="投影片編號版面配置區 11"/>
-          <p:cNvSpPr>
-            <a:spLocks noGrp="1"/>
-          </p:cNvSpPr>
-          <p:nvPr>
-            <p:ph type="sldNum" sz="quarter" idx="12"/>
-          </p:nvPr>
-        </p:nvSpPr>
-        <p:spPr>
-          <a:xfrm>
-            <a:off x="9448800" y="6490370"/>
-            <a:ext cx="2743200" cy="365125"/>
-          </a:xfrm>
-          <a:prstGeom prst="rect">
-            <a:avLst/>
-          </a:prstGeom>
-        </p:spPr>
-        <p:txBody>
-          <a:bodyPr/>
-          <a:lstStyle>
-            <a:lvl1pPr marL="0" algn="r" defTabSz="914400" rtl="0" eaLnBrk="1" latinLnBrk="0" hangingPunct="1">
-              <a:defRPr lang="zh-TW" altLang="en-US" sz="2400" b="1" kern="1200" smtClean="0">
-                <a:solidFill>
-                  <a:schemeClr val="tx1"/>
-                </a:solidFill>
-                <a:effectLst>
-                  <a:outerShdw blurRad="38100" dist="38100" dir="2700000" algn="tl">
-                    <a:srgbClr val="000000">
-                      <a:alpha val="43137"/>
-                    </a:srgbClr>
-                  </a:outerShdw>
-                </a:effectLst>
-                <a:latin typeface="+mn-lt"/>
-                <a:ea typeface="+mn-ea"/>
-                <a:cs typeface="+mn-cs"/>
-              </a:defRPr>
-            </a:lvl1pPr>
-          </a:lstStyle>
-          <a:p>
-            <a:fld id="{795E361D-9413-4254-AA94-27C90436F983}" type="slidenum">
-              <a:rPr lang="en-US" altLang="zh-TW" smtClean="0"/>
-              <a:pPr/>
-              <a:t>‹#›</a:t>
-            </a:fld>
-            <a:endParaRPr lang="en-US" dirty="0"/>
-          </a:p>
-        </p:txBody>
-      </p:sp>
       <p:sp>
         <p:nvSpPr>
           <p:cNvPr id="2" name="橢圓 1"/>
@@ -8116,10 +7860,9 @@
           <a:lstStyle/>
           <a:p>
             <a:r>
-              <a:rPr lang="zh-TW" altLang="en-US" smtClean="0"/>
+              <a:rPr lang="zh-TW" altLang="en-US"/>
               <a:t>按一下以編輯母片標題樣式</a:t>
             </a:r>
-            <a:endParaRPr lang="zh-TW" altLang="en-US"/>
           </a:p>
         </p:txBody>
       </p:sp>
@@ -8148,38 +7891,37 @@
           <a:p>
             <a:pPr lvl="0"/>
             <a:r>
-              <a:rPr lang="zh-TW" altLang="en-US" smtClean="0"/>
+              <a:rPr lang="zh-TW" altLang="en-US"/>
               <a:t>編輯母片文字樣式</a:t>
             </a:r>
           </a:p>
           <a:p>
             <a:pPr lvl="1"/>
             <a:r>
-              <a:rPr lang="zh-TW" altLang="en-US" smtClean="0"/>
+              <a:rPr lang="zh-TW" altLang="en-US"/>
               <a:t>第二層</a:t>
             </a:r>
           </a:p>
           <a:p>
             <a:pPr lvl="2"/>
             <a:r>
-              <a:rPr lang="zh-TW" altLang="en-US" smtClean="0"/>
+              <a:rPr lang="zh-TW" altLang="en-US"/>
               <a:t>第三層</a:t>
             </a:r>
           </a:p>
           <a:p>
             <a:pPr lvl="3"/>
             <a:r>
-              <a:rPr lang="zh-TW" altLang="en-US" smtClean="0"/>
+              <a:rPr lang="zh-TW" altLang="en-US"/>
               <a:t>第四層</a:t>
             </a:r>
           </a:p>
           <a:p>
             <a:pPr lvl="4"/>
             <a:r>
-              <a:rPr lang="zh-TW" altLang="en-US" smtClean="0"/>
+              <a:rPr lang="zh-TW" altLang="en-US"/>
               <a:t>第五層</a:t>
             </a:r>
-            <a:endParaRPr lang="zh-TW" altLang="en-US"/>
           </a:p>
         </p:txBody>
       </p:sp>
@@ -8208,38 +7950,37 @@
           <a:p>
             <a:pPr lvl="0"/>
             <a:r>
-              <a:rPr lang="zh-TW" altLang="en-US" smtClean="0"/>
+              <a:rPr lang="zh-TW" altLang="en-US"/>
               <a:t>編輯母片文字樣式</a:t>
             </a:r>
           </a:p>
           <a:p>
             <a:pPr lvl="1"/>
             <a:r>
-              <a:rPr lang="zh-TW" altLang="en-US" smtClean="0"/>
+              <a:rPr lang="zh-TW" altLang="en-US"/>
               <a:t>第二層</a:t>
             </a:r>
           </a:p>
           <a:p>
             <a:pPr lvl="2"/>
             <a:r>
-              <a:rPr lang="zh-TW" altLang="en-US" smtClean="0"/>
+              <a:rPr lang="zh-TW" altLang="en-US"/>
               <a:t>第三層</a:t>
             </a:r>
           </a:p>
           <a:p>
             <a:pPr lvl="3"/>
             <a:r>
-              <a:rPr lang="zh-TW" altLang="en-US" smtClean="0"/>
+              <a:rPr lang="zh-TW" altLang="en-US"/>
               <a:t>第四層</a:t>
             </a:r>
           </a:p>
           <a:p>
             <a:pPr lvl="4"/>
             <a:r>
-              <a:rPr lang="zh-TW" altLang="en-US" smtClean="0"/>
+              <a:rPr lang="zh-TW" altLang="en-US"/>
               <a:t>第五層</a:t>
             </a:r>
-            <a:endParaRPr lang="zh-TW" altLang="en-US"/>
           </a:p>
         </p:txBody>
       </p:sp>
@@ -8266,10 +8007,6 @@
           <a:bodyPr/>
           <a:lstStyle/>
           <a:p>
-            <a:fld id="{4549F12D-8FC8-44DE-A30D-23BC6ECACDCD}" type="datetimeFigureOut">
-              <a:rPr lang="zh-TW" altLang="en-US" smtClean="0"/>
-              <a:t>2023/12/15</a:t>
-            </a:fld>
             <a:endParaRPr lang="zh-TW" altLang="en-US"/>
           </a:p>
         </p:txBody>
@@ -8342,13 +8079,6 @@
   <p:clrMapOvr>
     <a:masterClrMapping/>
   </p:clrMapOvr>
-  <p:timing>
-    <p:tnLst>
-      <p:par>
-        <p:cTn id="1" dur="indefinite" restart="never" nodeType="tmRoot"/>
-      </p:par>
-    </p:tnLst>
-  </p:timing>
 </p:sldLayout>
 </file>
 
@@ -8358,11 +8088,7 @@
     <p:bg>
       <p:bgPr>
         <a:solidFill>
-          <a:schemeClr val="accent4">
-            <a:lumMod val="20000"/>
-            <a:lumOff val="80000"/>
-            <a:alpha val="20000"/>
-          </a:schemeClr>
+          <a:schemeClr val="bg1"/>
         </a:solidFill>
         <a:effectLst/>
       </p:bgPr>
@@ -8383,49 +8109,57 @@
       </p:grpSpPr>
       <p:sp>
         <p:nvSpPr>
-          <p:cNvPr id="7" name="矩形 6"/>
-          <p:cNvSpPr/>
-          <p:nvPr userDrawn="1"/>
+          <p:cNvPr id="3" name="投影片編號版面配置區 11">
+            <a:extLst>
+              <a:ext uri="{FF2B5EF4-FFF2-40B4-BE49-F238E27FC236}">
+                <a16:creationId xmlns:a16="http://schemas.microsoft.com/office/drawing/2014/main" id="{C38144D6-DEB9-48C4-9414-9BFC523BA3E7}"/>
+              </a:ext>
+            </a:extLst>
+          </p:cNvPr>
+          <p:cNvSpPr>
+            <a:spLocks noGrp="1"/>
+          </p:cNvSpPr>
+          <p:nvPr>
+            <p:ph type="sldNum" sz="quarter" idx="4"/>
+          </p:nvPr>
         </p:nvSpPr>
         <p:spPr>
           <a:xfrm>
-            <a:off x="0" y="0"/>
-            <a:ext cx="12192000" cy="6858000"/>
+            <a:off x="9448800" y="6490370"/>
+            <a:ext cx="2743200" cy="365125"/>
           </a:xfrm>
           <a:prstGeom prst="rect">
             <a:avLst/>
           </a:prstGeom>
-          <a:solidFill>
-            <a:srgbClr val="FEFFCD">
-              <a:alpha val="78000"/>
-            </a:srgbClr>
-          </a:solidFill>
-          <a:ln>
-            <a:noFill/>
-          </a:ln>
         </p:spPr>
-        <p:style>
-          <a:lnRef idx="2">
-            <a:schemeClr val="accent1">
-              <a:shade val="50000"/>
-            </a:schemeClr>
-          </a:lnRef>
-          <a:fillRef idx="1">
-            <a:schemeClr val="accent1"/>
-          </a:fillRef>
-          <a:effectRef idx="0">
-            <a:schemeClr val="accent1"/>
-          </a:effectRef>
-          <a:fontRef idx="minor">
-            <a:schemeClr val="lt1"/>
-          </a:fontRef>
-        </p:style>
         <p:txBody>
-          <a:bodyPr rtlCol="0" anchor="ctr"/>
-          <a:lstStyle/>
+          <a:bodyPr/>
+          <a:lstStyle>
+            <a:lvl1pPr marL="0" algn="r" defTabSz="914400" rtl="0" eaLnBrk="1" latinLnBrk="0" hangingPunct="1">
+              <a:defRPr lang="zh-TW" altLang="en-US" sz="2400" b="1" kern="1200" smtClean="0">
+                <a:solidFill>
+                  <a:schemeClr val="tx1"/>
+                </a:solidFill>
+                <a:effectLst>
+                  <a:outerShdw blurRad="38100" dist="38100" dir="2700000" algn="tl">
+                    <a:srgbClr val="000000">
+                      <a:alpha val="43137"/>
+                    </a:srgbClr>
+                  </a:outerShdw>
+                </a:effectLst>
+                <a:latin typeface="+mn-lt"/>
+                <a:ea typeface="+mn-ea"/>
+                <a:cs typeface="+mn-cs"/>
+              </a:defRPr>
+            </a:lvl1pPr>
+          </a:lstStyle>
           <a:p>
-            <a:pPr algn="ctr"/>
-            <a:endParaRPr lang="zh-TW" altLang="en-US" dirty="0"/>
+            <a:fld id="{795E361D-9413-4254-AA94-27C90436F983}" type="slidenum">
+              <a:rPr lang="en-US" altLang="zh-TW" smtClean="0"/>
+              <a:pPr/>
+              <a:t>‹#›</a:t>
+            </a:fld>
+            <a:endParaRPr lang="en-US" dirty="0"/>
           </a:p>
         </p:txBody>
       </p:sp>
@@ -8455,13 +8189,7 @@
     <p:sldLayoutId id="2147483658" r:id="rId15"/>
     <p:sldLayoutId id="2147483659" r:id="rId16"/>
   </p:sldLayoutIdLst>
-  <p:timing>
-    <p:tnLst>
-      <p:par>
-        <p:cTn id="1" dur="indefinite" restart="never" nodeType="tmRoot"/>
-      </p:par>
-    </p:tnLst>
-  </p:timing>
+  <p:hf hdr="0" ftr="0" dt="0"/>
   <p:txStyles>
     <p:titleStyle>
       <a:lvl1pPr algn="l" defTabSz="914400" rtl="0" eaLnBrk="1" latinLnBrk="0" hangingPunct="1">
@@ -9266,7 +8994,7 @@
               <a:lstStyle/>
               <a:p>
                 <a:r>
-                  <a:rPr lang="zh-TW" altLang="en-US" sz="8000" b="1" dirty="0" smtClean="0">
+                  <a:rPr lang="zh-TW" altLang="en-US" sz="8000" b="1" dirty="0">
                     <a:solidFill>
                       <a:schemeClr val="bg2">
                         <a:lumMod val="75000"/>
@@ -9277,15 +9005,6 @@
                   </a:rPr>
                   <a:t>趣放假 </a:t>
                 </a:r>
-                <a:endParaRPr lang="zh-TW" altLang="en-US" sz="8000" b="1" dirty="0">
-                  <a:solidFill>
-                    <a:schemeClr val="bg2">
-                      <a:lumMod val="75000"/>
-                    </a:schemeClr>
-                  </a:solidFill>
-                  <a:latin typeface="Comic Sans MS" panose="030F0702030302020204" pitchFamily="66" charset="0"/>
-                  <a:ea typeface="微軟正黑體" panose="020B0604030504040204" pitchFamily="34" charset="-120"/>
-                </a:endParaRPr>
               </a:p>
             </p:txBody>
           </p:sp>
@@ -9312,16 +9031,12 @@
               <a:lstStyle/>
               <a:p>
                 <a:r>
-                  <a:rPr lang="zh-TW" altLang="en-US" sz="8000" b="1" dirty="0" smtClean="0">
+                  <a:rPr lang="zh-TW" altLang="en-US" sz="8000" b="1" dirty="0">
                     <a:latin typeface="Comic Sans MS" panose="030F0702030302020204" pitchFamily="66" charset="0"/>
                     <a:ea typeface="微軟正黑體" panose="020B0604030504040204" pitchFamily="34" charset="-120"/>
                   </a:rPr>
                   <a:t>趣放假</a:t>
                 </a:r>
-                <a:endParaRPr lang="zh-TW" altLang="en-US" sz="8000" b="1" dirty="0">
-                  <a:latin typeface="Comic Sans MS" panose="030F0702030302020204" pitchFamily="66" charset="0"/>
-                  <a:ea typeface="微軟正黑體" panose="020B0604030504040204" pitchFamily="34" charset="-120"/>
-                </a:endParaRPr>
               </a:p>
             </p:txBody>
           </p:sp>
@@ -9445,68 +9160,68 @@
           <a:lstStyle/>
           <a:p>
             <a:r>
-              <a:rPr lang="zh-TW" altLang="en-US" sz="2400" b="1" dirty="0" smtClean="0">
+              <a:rPr lang="zh-TW" altLang="en-US" sz="2400" b="1" dirty="0">
                 <a:latin typeface="Comic Sans MS" panose="030F0702030302020204" pitchFamily="66" charset="0"/>
                 <a:ea typeface="微軟正黑體" panose="020B0604030504040204" pitchFamily="34" charset="-120"/>
               </a:rPr>
               <a:t>組長：</a:t>
             </a:r>
             <a:r>
-              <a:rPr lang="en-US" altLang="zh-TW" sz="2400" b="1" dirty="0" smtClean="0">
+              <a:rPr lang="en-US" altLang="zh-TW" sz="2400" b="1" dirty="0">
                 <a:latin typeface="Comic Sans MS" panose="030F0702030302020204" pitchFamily="66" charset="0"/>
                 <a:ea typeface="微軟正黑體" panose="020B0604030504040204" pitchFamily="34" charset="-120"/>
               </a:rPr>
               <a:t>10946009</a:t>
             </a:r>
             <a:r>
-              <a:rPr lang="zh-TW" altLang="en-US" sz="2400" b="1" dirty="0" smtClean="0">
+              <a:rPr lang="zh-TW" altLang="en-US" sz="2400" b="1" dirty="0">
                 <a:latin typeface="Comic Sans MS" panose="030F0702030302020204" pitchFamily="66" charset="0"/>
                 <a:ea typeface="微軟正黑體" panose="020B0604030504040204" pitchFamily="34" charset="-120"/>
               </a:rPr>
               <a:t>陳品茹</a:t>
             </a:r>
-            <a:endParaRPr lang="en-US" altLang="zh-TW" sz="2400" b="1" dirty="0" smtClean="0">
+            <a:endParaRPr lang="en-US" altLang="zh-TW" sz="2400" b="1" dirty="0">
               <a:latin typeface="Comic Sans MS" panose="030F0702030302020204" pitchFamily="66" charset="0"/>
               <a:ea typeface="微軟正黑體" panose="020B0604030504040204" pitchFamily="34" charset="-120"/>
             </a:endParaRPr>
           </a:p>
           <a:p>
             <a:r>
-              <a:rPr lang="zh-TW" altLang="en-US" sz="2400" b="1" dirty="0" smtClean="0">
+              <a:rPr lang="zh-TW" altLang="en-US" sz="2400" b="1" dirty="0">
                 <a:latin typeface="Comic Sans MS" panose="030F0702030302020204" pitchFamily="66" charset="0"/>
                 <a:ea typeface="微軟正黑體" panose="020B0604030504040204" pitchFamily="34" charset="-120"/>
               </a:rPr>
               <a:t>組員：</a:t>
             </a:r>
             <a:r>
-              <a:rPr lang="en-US" altLang="zh-TW" sz="2400" b="1" dirty="0" smtClean="0">
+              <a:rPr lang="en-US" altLang="zh-TW" sz="2400" b="1" dirty="0">
                 <a:latin typeface="Comic Sans MS" panose="030F0702030302020204" pitchFamily="66" charset="0"/>
                 <a:ea typeface="微軟正黑體" panose="020B0604030504040204" pitchFamily="34" charset="-120"/>
               </a:rPr>
               <a:t>10946003</a:t>
             </a:r>
             <a:r>
-              <a:rPr lang="zh-TW" altLang="en-US" sz="2400" b="1" dirty="0" smtClean="0">
+              <a:rPr lang="zh-TW" altLang="en-US" sz="2400" b="1" dirty="0">
                 <a:latin typeface="Comic Sans MS" panose="030F0702030302020204" pitchFamily="66" charset="0"/>
                 <a:ea typeface="微軟正黑體" panose="020B0604030504040204" pitchFamily="34" charset="-120"/>
               </a:rPr>
               <a:t>吳宇晞、</a:t>
             </a:r>
             <a:r>
-              <a:rPr lang="en-US" altLang="zh-TW" sz="2400" b="1" dirty="0" smtClean="0">
+              <a:rPr lang="en-US" altLang="zh-TW" sz="2400" b="1" dirty="0">
                 <a:latin typeface="Comic Sans MS" panose="030F0702030302020204" pitchFamily="66" charset="0"/>
                 <a:ea typeface="微軟正黑體" panose="020B0604030504040204" pitchFamily="34" charset="-120"/>
               </a:rPr>
               <a:t>10946010</a:t>
             </a:r>
             <a:r>
-              <a:rPr lang="zh-TW" altLang="en-US" sz="2400" b="1" dirty="0" smtClean="0">
+              <a:rPr lang="zh-TW" altLang="en-US" sz="2400" b="1" dirty="0">
                 <a:latin typeface="Comic Sans MS" panose="030F0702030302020204" pitchFamily="66" charset="0"/>
                 <a:ea typeface="微軟正黑體" panose="020B0604030504040204" pitchFamily="34" charset="-120"/>
               </a:rPr>
               <a:t>劉姿妘</a:t>
             </a:r>
-            <a:endParaRPr lang="en-US" altLang="zh-TW" sz="2400" b="1" dirty="0" smtClean="0">
+            <a:endParaRPr lang="en-US" altLang="zh-TW" sz="2400" b="1" dirty="0">
               <a:latin typeface="Comic Sans MS" panose="030F0702030302020204" pitchFamily="66" charset="0"/>
               <a:ea typeface="微軟正黑體" panose="020B0604030504040204" pitchFamily="34" charset="-120"/>
             </a:endParaRPr>
@@ -9517,53 +9232,42 @@
                 <a:latin typeface="Comic Sans MS" panose="030F0702030302020204" pitchFamily="66" charset="0"/>
                 <a:ea typeface="微軟正黑體" panose="020B0604030504040204" pitchFamily="34" charset="-120"/>
               </a:rPr>
-              <a:t>	</a:t>
+              <a:t>	10946013</a:t>
             </a:r>
             <a:r>
-              <a:rPr lang="en-US" altLang="zh-TW" sz="2400" b="1" dirty="0" smtClean="0">
-                <a:latin typeface="Comic Sans MS" panose="030F0702030302020204" pitchFamily="66" charset="0"/>
-                <a:ea typeface="微軟正黑體" panose="020B0604030504040204" pitchFamily="34" charset="-120"/>
-              </a:rPr>
-              <a:t>10946013</a:t>
-            </a:r>
-            <a:r>
-              <a:rPr lang="zh-TW" altLang="en-US" sz="2400" b="1" dirty="0" smtClean="0">
+              <a:rPr lang="zh-TW" altLang="en-US" sz="2400" b="1" dirty="0">
                 <a:latin typeface="Comic Sans MS" panose="030F0702030302020204" pitchFamily="66" charset="0"/>
                 <a:ea typeface="微軟正黑體" panose="020B0604030504040204" pitchFamily="34" charset="-120"/>
               </a:rPr>
               <a:t>趙　晴、</a:t>
             </a:r>
             <a:r>
-              <a:rPr lang="en-US" altLang="zh-TW" sz="2400" b="1" dirty="0" smtClean="0">
+              <a:rPr lang="en-US" altLang="zh-TW" sz="2400" b="1" dirty="0">
                 <a:latin typeface="Comic Sans MS" panose="030F0702030302020204" pitchFamily="66" charset="0"/>
                 <a:ea typeface="微軟正黑體" panose="020B0604030504040204" pitchFamily="34" charset="-120"/>
               </a:rPr>
               <a:t>10946029</a:t>
             </a:r>
             <a:r>
-              <a:rPr lang="zh-TW" altLang="en-US" sz="2400" b="1" dirty="0" smtClean="0">
+              <a:rPr lang="zh-TW" altLang="en-US" sz="2400" b="1" dirty="0">
                 <a:latin typeface="Comic Sans MS" panose="030F0702030302020204" pitchFamily="66" charset="0"/>
                 <a:ea typeface="微軟正黑體" panose="020B0604030504040204" pitchFamily="34" charset="-120"/>
               </a:rPr>
               <a:t>李嘉羚</a:t>
             </a:r>
-            <a:endParaRPr lang="en-US" altLang="zh-TW" sz="2400" b="1" dirty="0" smtClean="0">
+            <a:endParaRPr lang="en-US" altLang="zh-TW" sz="2400" b="1" dirty="0">
               <a:latin typeface="Comic Sans MS" panose="030F0702030302020204" pitchFamily="66" charset="0"/>
               <a:ea typeface="微軟正黑體" panose="020B0604030504040204" pitchFamily="34" charset="-120"/>
             </a:endParaRPr>
           </a:p>
           <a:p>
             <a:r>
-              <a:rPr lang="zh-TW" altLang="en-US" sz="2400" b="1" dirty="0" smtClean="0">
+              <a:rPr lang="zh-TW" altLang="en-US" sz="2400" b="1" dirty="0">
                 <a:latin typeface="Comic Sans MS" panose="030F0702030302020204" pitchFamily="66" charset="0"/>
                 <a:ea typeface="微軟正黑體" panose="020B0604030504040204" pitchFamily="34" charset="-120"/>
               </a:rPr>
               <a:t>指導教授：李文毅 老師</a:t>
             </a:r>
-            <a:endParaRPr lang="zh-TW" altLang="en-US" sz="2400" b="1" dirty="0">
-              <a:latin typeface="Comic Sans MS" panose="030F0702030302020204" pitchFamily="66" charset="0"/>
-              <a:ea typeface="微軟正黑體" panose="020B0604030504040204" pitchFamily="34" charset="-120"/>
-            </a:endParaRPr>
           </a:p>
         </p:txBody>
       </p:sp>
@@ -10671,7 +10375,7 @@
               <a:lstStyle/>
               <a:p>
                 <a:r>
-                  <a:rPr lang="zh-TW" altLang="en-US" sz="8000" b="1" dirty="0" smtClean="0">
+                  <a:rPr lang="zh-TW" altLang="en-US" sz="8000" b="1" dirty="0">
                     <a:solidFill>
                       <a:schemeClr val="bg2">
                         <a:lumMod val="75000"/>
@@ -10682,15 +10386,6 @@
                   </a:rPr>
                   <a:t>趣放假 </a:t>
                 </a:r>
-                <a:endParaRPr lang="zh-TW" altLang="en-US" sz="8000" b="1" dirty="0">
-                  <a:solidFill>
-                    <a:schemeClr val="bg2">
-                      <a:lumMod val="75000"/>
-                    </a:schemeClr>
-                  </a:solidFill>
-                  <a:latin typeface="Comic Sans MS" panose="030F0702030302020204" pitchFamily="66" charset="0"/>
-                  <a:ea typeface="微軟正黑體" panose="020B0604030504040204" pitchFamily="34" charset="-120"/>
-                </a:endParaRPr>
               </a:p>
             </p:txBody>
           </p:sp>
@@ -10717,16 +10412,12 @@
               <a:lstStyle/>
               <a:p>
                 <a:r>
-                  <a:rPr lang="zh-TW" altLang="en-US" sz="8000" b="1" dirty="0" smtClean="0">
+                  <a:rPr lang="zh-TW" altLang="en-US" sz="8000" b="1" dirty="0">
                     <a:latin typeface="Comic Sans MS" panose="030F0702030302020204" pitchFamily="66" charset="0"/>
                     <a:ea typeface="微軟正黑體" panose="020B0604030504040204" pitchFamily="34" charset="-120"/>
                   </a:rPr>
                   <a:t>趣放假</a:t>
                 </a:r>
-                <a:endParaRPr lang="zh-TW" altLang="en-US" sz="8000" b="1" dirty="0">
-                  <a:latin typeface="Comic Sans MS" panose="030F0702030302020204" pitchFamily="66" charset="0"/>
-                  <a:ea typeface="微軟正黑體" panose="020B0604030504040204" pitchFamily="34" charset="-120"/>
-                </a:endParaRPr>
               </a:p>
             </p:txBody>
           </p:sp>
@@ -10850,68 +10541,68 @@
           <a:lstStyle/>
           <a:p>
             <a:r>
-              <a:rPr lang="zh-TW" altLang="en-US" sz="2400" b="1" dirty="0" smtClean="0">
+              <a:rPr lang="zh-TW" altLang="en-US" sz="2400" b="1" dirty="0">
                 <a:latin typeface="Comic Sans MS" panose="030F0702030302020204" pitchFamily="66" charset="0"/>
                 <a:ea typeface="微軟正黑體" panose="020B0604030504040204" pitchFamily="34" charset="-120"/>
               </a:rPr>
               <a:t>組長：</a:t>
             </a:r>
             <a:r>
-              <a:rPr lang="en-US" altLang="zh-TW" sz="2400" b="1" dirty="0" smtClean="0">
+              <a:rPr lang="en-US" altLang="zh-TW" sz="2400" b="1" dirty="0">
                 <a:latin typeface="Comic Sans MS" panose="030F0702030302020204" pitchFamily="66" charset="0"/>
                 <a:ea typeface="微軟正黑體" panose="020B0604030504040204" pitchFamily="34" charset="-120"/>
               </a:rPr>
               <a:t>10946009</a:t>
             </a:r>
             <a:r>
-              <a:rPr lang="zh-TW" altLang="en-US" sz="2400" b="1" dirty="0" smtClean="0">
+              <a:rPr lang="zh-TW" altLang="en-US" sz="2400" b="1" dirty="0">
                 <a:latin typeface="Comic Sans MS" panose="030F0702030302020204" pitchFamily="66" charset="0"/>
                 <a:ea typeface="微軟正黑體" panose="020B0604030504040204" pitchFamily="34" charset="-120"/>
               </a:rPr>
               <a:t>陳品茹</a:t>
             </a:r>
-            <a:endParaRPr lang="en-US" altLang="zh-TW" sz="2400" b="1" dirty="0" smtClean="0">
+            <a:endParaRPr lang="en-US" altLang="zh-TW" sz="2400" b="1" dirty="0">
               <a:latin typeface="Comic Sans MS" panose="030F0702030302020204" pitchFamily="66" charset="0"/>
               <a:ea typeface="微軟正黑體" panose="020B0604030504040204" pitchFamily="34" charset="-120"/>
             </a:endParaRPr>
           </a:p>
           <a:p>
             <a:r>
-              <a:rPr lang="zh-TW" altLang="en-US" sz="2400" b="1" dirty="0" smtClean="0">
+              <a:rPr lang="zh-TW" altLang="en-US" sz="2400" b="1" dirty="0">
                 <a:latin typeface="Comic Sans MS" panose="030F0702030302020204" pitchFamily="66" charset="0"/>
                 <a:ea typeface="微軟正黑體" panose="020B0604030504040204" pitchFamily="34" charset="-120"/>
               </a:rPr>
               <a:t>組員：</a:t>
             </a:r>
             <a:r>
-              <a:rPr lang="en-US" altLang="zh-TW" sz="2400" b="1" dirty="0" smtClean="0">
+              <a:rPr lang="en-US" altLang="zh-TW" sz="2400" b="1" dirty="0">
                 <a:latin typeface="Comic Sans MS" panose="030F0702030302020204" pitchFamily="66" charset="0"/>
                 <a:ea typeface="微軟正黑體" panose="020B0604030504040204" pitchFamily="34" charset="-120"/>
               </a:rPr>
               <a:t>10946003</a:t>
             </a:r>
             <a:r>
-              <a:rPr lang="zh-TW" altLang="en-US" sz="2400" b="1" dirty="0" smtClean="0">
+              <a:rPr lang="zh-TW" altLang="en-US" sz="2400" b="1" dirty="0">
                 <a:latin typeface="Comic Sans MS" panose="030F0702030302020204" pitchFamily="66" charset="0"/>
                 <a:ea typeface="微軟正黑體" panose="020B0604030504040204" pitchFamily="34" charset="-120"/>
               </a:rPr>
               <a:t>吳宇晞、</a:t>
             </a:r>
             <a:r>
-              <a:rPr lang="en-US" altLang="zh-TW" sz="2400" b="1" dirty="0" smtClean="0">
+              <a:rPr lang="en-US" altLang="zh-TW" sz="2400" b="1" dirty="0">
                 <a:latin typeface="Comic Sans MS" panose="030F0702030302020204" pitchFamily="66" charset="0"/>
                 <a:ea typeface="微軟正黑體" panose="020B0604030504040204" pitchFamily="34" charset="-120"/>
               </a:rPr>
               <a:t>10946010</a:t>
             </a:r>
             <a:r>
-              <a:rPr lang="zh-TW" altLang="en-US" sz="2400" b="1" dirty="0" smtClean="0">
+              <a:rPr lang="zh-TW" altLang="en-US" sz="2400" b="1" dirty="0">
                 <a:latin typeface="Comic Sans MS" panose="030F0702030302020204" pitchFamily="66" charset="0"/>
                 <a:ea typeface="微軟正黑體" panose="020B0604030504040204" pitchFamily="34" charset="-120"/>
               </a:rPr>
               <a:t>劉姿妘</a:t>
             </a:r>
-            <a:endParaRPr lang="en-US" altLang="zh-TW" sz="2400" b="1" dirty="0" smtClean="0">
+            <a:endParaRPr lang="en-US" altLang="zh-TW" sz="2400" b="1" dirty="0">
               <a:latin typeface="Comic Sans MS" panose="030F0702030302020204" pitchFamily="66" charset="0"/>
               <a:ea typeface="微軟正黑體" panose="020B0604030504040204" pitchFamily="34" charset="-120"/>
             </a:endParaRPr>
@@ -10922,53 +10613,42 @@
                 <a:latin typeface="Comic Sans MS" panose="030F0702030302020204" pitchFamily="66" charset="0"/>
                 <a:ea typeface="微軟正黑體" panose="020B0604030504040204" pitchFamily="34" charset="-120"/>
               </a:rPr>
-              <a:t>	</a:t>
+              <a:t>	10946013</a:t>
             </a:r>
             <a:r>
-              <a:rPr lang="en-US" altLang="zh-TW" sz="2400" b="1" dirty="0" smtClean="0">
-                <a:latin typeface="Comic Sans MS" panose="030F0702030302020204" pitchFamily="66" charset="0"/>
-                <a:ea typeface="微軟正黑體" panose="020B0604030504040204" pitchFamily="34" charset="-120"/>
-              </a:rPr>
-              <a:t>10946013</a:t>
-            </a:r>
-            <a:r>
-              <a:rPr lang="zh-TW" altLang="en-US" sz="2400" b="1" dirty="0" smtClean="0">
+              <a:rPr lang="zh-TW" altLang="en-US" sz="2400" b="1" dirty="0">
                 <a:latin typeface="Comic Sans MS" panose="030F0702030302020204" pitchFamily="66" charset="0"/>
                 <a:ea typeface="微軟正黑體" panose="020B0604030504040204" pitchFamily="34" charset="-120"/>
               </a:rPr>
               <a:t>趙　晴、</a:t>
             </a:r>
             <a:r>
-              <a:rPr lang="en-US" altLang="zh-TW" sz="2400" b="1" dirty="0" smtClean="0">
+              <a:rPr lang="en-US" altLang="zh-TW" sz="2400" b="1" dirty="0">
                 <a:latin typeface="Comic Sans MS" panose="030F0702030302020204" pitchFamily="66" charset="0"/>
                 <a:ea typeface="微軟正黑體" panose="020B0604030504040204" pitchFamily="34" charset="-120"/>
               </a:rPr>
               <a:t>10946029</a:t>
             </a:r>
             <a:r>
-              <a:rPr lang="zh-TW" altLang="en-US" sz="2400" b="1" dirty="0" smtClean="0">
+              <a:rPr lang="zh-TW" altLang="en-US" sz="2400" b="1" dirty="0">
                 <a:latin typeface="Comic Sans MS" panose="030F0702030302020204" pitchFamily="66" charset="0"/>
                 <a:ea typeface="微軟正黑體" panose="020B0604030504040204" pitchFamily="34" charset="-120"/>
               </a:rPr>
               <a:t>李嘉羚</a:t>
             </a:r>
-            <a:endParaRPr lang="en-US" altLang="zh-TW" sz="2400" b="1" dirty="0" smtClean="0">
+            <a:endParaRPr lang="en-US" altLang="zh-TW" sz="2400" b="1" dirty="0">
               <a:latin typeface="Comic Sans MS" panose="030F0702030302020204" pitchFamily="66" charset="0"/>
               <a:ea typeface="微軟正黑體" panose="020B0604030504040204" pitchFamily="34" charset="-120"/>
             </a:endParaRPr>
           </a:p>
           <a:p>
             <a:r>
-              <a:rPr lang="zh-TW" altLang="en-US" sz="2400" b="1" dirty="0" smtClean="0">
+              <a:rPr lang="zh-TW" altLang="en-US" sz="2400" b="1" dirty="0">
                 <a:latin typeface="Comic Sans MS" panose="030F0702030302020204" pitchFamily="66" charset="0"/>
                 <a:ea typeface="微軟正黑體" panose="020B0604030504040204" pitchFamily="34" charset="-120"/>
               </a:rPr>
               <a:t>指導教授：李文毅 老師</a:t>
             </a:r>
-            <a:endParaRPr lang="zh-TW" altLang="en-US" sz="2400" b="1" dirty="0">
-              <a:latin typeface="Comic Sans MS" panose="030F0702030302020204" pitchFamily="66" charset="0"/>
-              <a:ea typeface="微軟正黑體" panose="020B0604030504040204" pitchFamily="34" charset="-120"/>
-            </a:endParaRPr>
           </a:p>
         </p:txBody>
       </p:sp>
@@ -11048,7 +10728,7 @@
           <a:lstStyle/>
           <a:p>
             <a:r>
-              <a:rPr lang="en-US" altLang="zh-TW" sz="5400" b="1" dirty="0" smtClean="0">
+              <a:rPr lang="en-US" altLang="zh-TW" sz="5400" b="1" dirty="0">
                 <a:latin typeface="Comic Sans MS" panose="030F0702030302020204" pitchFamily="66" charset="0"/>
                 <a:ea typeface="AaKLYLDYW (Non-Commercial Use)" panose="02010600010101010101" pitchFamily="2" charset="-122"/>
               </a:rPr>
@@ -12028,7 +11708,7 @@
             <a:lstStyle/>
             <a:p>
               <a:r>
-                <a:rPr lang="zh-TW" altLang="en-US" sz="8000" b="1" dirty="0" smtClean="0">
+                <a:rPr lang="zh-TW" altLang="en-US" sz="8000" b="1" dirty="0">
                   <a:solidFill>
                     <a:schemeClr val="bg2">
                       <a:lumMod val="75000"/>
@@ -12051,7 +11731,7 @@
             </a:p>
             <a:p>
               <a:r>
-                <a:rPr lang="zh-TW" altLang="en-US" sz="8000" b="1" dirty="0" smtClean="0">
+                <a:rPr lang="zh-TW" altLang="en-US" sz="8000" b="1" dirty="0">
                   <a:solidFill>
                     <a:schemeClr val="bg2">
                       <a:lumMod val="75000"/>
@@ -12062,7 +11742,7 @@
                 </a:rPr>
                 <a:t>　</a:t>
               </a:r>
-              <a:endParaRPr lang="en-US" altLang="zh-TW" sz="8000" b="1" dirty="0" smtClean="0">
+              <a:endParaRPr lang="en-US" altLang="zh-TW" sz="8000" b="1" dirty="0">
                 <a:solidFill>
                   <a:schemeClr val="bg2">
                     <a:lumMod val="75000"/>
@@ -12074,7 +11754,7 @@
             </a:p>
             <a:p>
               <a:r>
-                <a:rPr lang="zh-TW" altLang="en-US" sz="8000" b="1" dirty="0" smtClean="0">
+                <a:rPr lang="zh-TW" altLang="en-US" sz="8000" b="1" dirty="0">
                   <a:solidFill>
                     <a:schemeClr val="bg2">
                       <a:lumMod val="75000"/>
@@ -12085,15 +11765,6 @@
                 </a:rPr>
                 <a:t>錄</a:t>
               </a:r>
-              <a:endParaRPr lang="zh-TW" altLang="en-US" sz="8000" b="1" dirty="0">
-                <a:solidFill>
-                  <a:schemeClr val="bg2">
-                    <a:lumMod val="75000"/>
-                  </a:schemeClr>
-                </a:solidFill>
-                <a:latin typeface="Comic Sans MS" panose="030F0702030302020204" pitchFamily="66" charset="0"/>
-                <a:ea typeface="微軟正黑體" panose="020B0604030504040204" pitchFamily="34" charset="-120"/>
-              </a:endParaRPr>
             </a:p>
           </p:txBody>
         </p:sp>
@@ -12120,7 +11791,7 @@
             <a:lstStyle/>
             <a:p>
               <a:r>
-                <a:rPr lang="zh-TW" altLang="en-US" sz="8000" b="1" dirty="0" smtClean="0">
+                <a:rPr lang="zh-TW" altLang="en-US" sz="8000" b="1" dirty="0">
                   <a:latin typeface="Comic Sans MS" panose="030F0702030302020204" pitchFamily="66" charset="0"/>
                   <a:ea typeface="微軟正黑體" panose="020B0604030504040204" pitchFamily="34" charset="-120"/>
                 </a:rPr>
@@ -12133,29 +11804,25 @@
             </a:p>
             <a:p>
               <a:r>
-                <a:rPr lang="zh-TW" altLang="en-US" sz="8000" b="1" dirty="0" smtClean="0">
+                <a:rPr lang="zh-TW" altLang="en-US" sz="8000" b="1" dirty="0">
                   <a:latin typeface="Comic Sans MS" panose="030F0702030302020204" pitchFamily="66" charset="0"/>
                   <a:ea typeface="微軟正黑體" panose="020B0604030504040204" pitchFamily="34" charset="-120"/>
                 </a:rPr>
                 <a:t>　</a:t>
               </a:r>
-              <a:endParaRPr lang="en-US" altLang="zh-TW" sz="8000" b="1" dirty="0" smtClean="0">
+              <a:endParaRPr lang="en-US" altLang="zh-TW" sz="8000" b="1" dirty="0">
                 <a:latin typeface="Comic Sans MS" panose="030F0702030302020204" pitchFamily="66" charset="0"/>
                 <a:ea typeface="微軟正黑體" panose="020B0604030504040204" pitchFamily="34" charset="-120"/>
               </a:endParaRPr>
             </a:p>
             <a:p>
               <a:r>
-                <a:rPr lang="zh-TW" altLang="en-US" sz="8000" b="1" dirty="0" smtClean="0">
+                <a:rPr lang="zh-TW" altLang="en-US" sz="8000" b="1" dirty="0">
                   <a:latin typeface="Comic Sans MS" panose="030F0702030302020204" pitchFamily="66" charset="0"/>
                   <a:ea typeface="微軟正黑體" panose="020B0604030504040204" pitchFamily="34" charset="-120"/>
                 </a:rPr>
                 <a:t>錄</a:t>
               </a:r>
-              <a:endParaRPr lang="zh-TW" altLang="en-US" sz="8000" b="1" dirty="0">
-                <a:latin typeface="Comic Sans MS" panose="030F0702030302020204" pitchFamily="66" charset="0"/>
-                <a:ea typeface="微軟正黑體" panose="020B0604030504040204" pitchFamily="34" charset="-120"/>
-              </a:endParaRPr>
             </a:p>
           </p:txBody>
         </p:sp>
@@ -12197,7 +11864,7 @@
             <a:lstStyle/>
             <a:p>
               <a:r>
-                <a:rPr lang="en-US" altLang="zh-TW" sz="4800" b="1" dirty="0" smtClean="0">
+                <a:rPr lang="en-US" altLang="zh-TW" sz="4800" b="1" dirty="0">
                   <a:solidFill>
                     <a:schemeClr val="bg2">
                       <a:lumMod val="75000"/>
@@ -12243,16 +11910,12 @@
             <a:lstStyle/>
             <a:p>
               <a:r>
-                <a:rPr lang="en-US" altLang="zh-TW" sz="4800" b="1" dirty="0" smtClean="0">
+                <a:rPr lang="en-US" altLang="zh-TW" sz="4800" b="1" dirty="0">
                   <a:latin typeface="Comic Sans MS" panose="030F0702030302020204" pitchFamily="66" charset="0"/>
                   <a:ea typeface="微軟正黑體" panose="020B0604030504040204" pitchFamily="34" charset="-120"/>
                 </a:rPr>
                 <a:t>CONTENT</a:t>
               </a:r>
-              <a:endParaRPr lang="en-US" altLang="zh-TW" sz="4800" b="1" dirty="0">
-                <a:latin typeface="Comic Sans MS" panose="030F0702030302020204" pitchFamily="66" charset="0"/>
-                <a:ea typeface="微軟正黑體" panose="020B0604030504040204" pitchFamily="34" charset="-120"/>
-              </a:endParaRPr>
             </a:p>
           </p:txBody>
         </p:sp>
@@ -12409,7 +12072,7 @@
             <a:lstStyle/>
             <a:p>
               <a:r>
-                <a:rPr lang="en-US" altLang="zh-TW" sz="5400" b="1" dirty="0" smtClean="0">
+                <a:rPr lang="en-US" altLang="zh-TW" sz="5400" b="1" dirty="0">
                   <a:solidFill>
                     <a:schemeClr val="bg1"/>
                   </a:solidFill>
@@ -12466,7 +12129,7 @@
           <a:lstStyle/>
           <a:p>
             <a:r>
-              <a:rPr lang="en-US" altLang="zh-TW" sz="5400" b="1" dirty="0" err="1" smtClean="0">
+              <a:rPr lang="en-US" altLang="zh-TW" sz="5400" b="1" dirty="0" err="1">
                 <a:effectLst>
                   <a:outerShdw blurRad="38100" dist="38100" dir="2700000" algn="tl">
                     <a:srgbClr val="000000">
@@ -12480,7 +12143,7 @@
               <a:t>Github</a:t>
             </a:r>
             <a:r>
-              <a:rPr lang="zh-TW" altLang="en-US" sz="5400" b="1" dirty="0" smtClean="0">
+              <a:rPr lang="zh-TW" altLang="en-US" sz="5400" b="1" dirty="0">
                 <a:effectLst>
                   <a:outerShdw blurRad="38100" dist="38100" dir="2700000" algn="tl">
                     <a:srgbClr val="000000">
@@ -12493,7 +12156,7 @@
               </a:rPr>
               <a:t>分工</a:t>
             </a:r>
-            <a:endParaRPr lang="en-US" altLang="zh-TW" sz="5400" b="1" dirty="0" smtClean="0">
+            <a:endParaRPr lang="en-US" altLang="zh-TW" sz="5400" b="1" dirty="0">
               <a:effectLst>
                 <a:outerShdw blurRad="38100" dist="38100" dir="2700000" algn="tl">
                   <a:srgbClr val="000000">
@@ -12719,7 +12382,7 @@
           <a:lstStyle/>
           <a:p>
             <a:r>
-              <a:rPr lang="zh-TW" altLang="en-US" sz="5400" b="1" dirty="0" smtClean="0">
+              <a:rPr lang="zh-TW" altLang="en-US" sz="5400" b="1" dirty="0">
                 <a:effectLst>
                   <a:outerShdw blurRad="38100" dist="38100" dir="2700000" algn="tl">
                     <a:srgbClr val="000000">
@@ -12730,9 +12393,9 @@
                 <a:latin typeface="Comic Sans MS" panose="030F0702030302020204" pitchFamily="66" charset="0"/>
                 <a:ea typeface="微軟正黑體" panose="020B0604030504040204" pitchFamily="34" charset="-120"/>
               </a:rPr>
-              <a:t>餐廳等候系統</a:t>
+              <a:t>餐廳點餐系統</a:t>
             </a:r>
-            <a:endParaRPr lang="en-US" altLang="zh-TW" sz="5400" b="1" dirty="0" smtClean="0">
+            <a:endParaRPr lang="en-US" altLang="zh-TW" sz="5400" b="1" dirty="0">
               <a:effectLst>
                 <a:outerShdw blurRad="38100" dist="38100" dir="2700000" algn="tl">
                   <a:srgbClr val="000000">
@@ -13006,7 +12669,7 @@
           <a:lstStyle/>
           <a:p>
             <a:r>
-              <a:rPr lang="zh-TW" altLang="en-US" sz="5400" b="1" dirty="0" smtClean="0">
+              <a:rPr lang="zh-TW" altLang="en-US" sz="5400" b="1" dirty="0">
                 <a:effectLst>
                   <a:outerShdw blurRad="38100" dist="38100" dir="2700000" algn="tl">
                     <a:srgbClr val="000000">
@@ -13019,7 +12682,7 @@
               </a:rPr>
               <a:t>系統展示</a:t>
             </a:r>
-            <a:endParaRPr lang="en-US" altLang="zh-TW" sz="5400" b="1" dirty="0" smtClean="0">
+            <a:endParaRPr lang="en-US" altLang="zh-TW" sz="5400" b="1" dirty="0">
               <a:effectLst>
                 <a:outerShdw blurRad="38100" dist="38100" dir="2700000" algn="tl">
                   <a:srgbClr val="000000">
@@ -13934,7 +13597,7 @@
               <a:lstStyle/>
               <a:p>
                 <a:r>
-                  <a:rPr lang="en-US" altLang="zh-TW" sz="8000" b="1" dirty="0" smtClean="0">
+                  <a:rPr lang="en-US" altLang="zh-TW" sz="8000" b="1" dirty="0">
                     <a:solidFill>
                       <a:schemeClr val="bg2">
                         <a:lumMod val="75000"/>
@@ -13979,7 +13642,7 @@
               <a:lstStyle/>
               <a:p>
                 <a:r>
-                  <a:rPr lang="en-US" altLang="zh-TW" sz="8000" b="1" dirty="0" smtClean="0">
+                  <a:rPr lang="en-US" altLang="zh-TW" sz="8000" b="1" dirty="0">
                     <a:latin typeface="Comic Sans MS" panose="030F0702030302020204" pitchFamily="66" charset="0"/>
                     <a:ea typeface="微軟正黑體" panose="020B0604030504040204" pitchFamily="34" charset="-120"/>
                   </a:rPr>
@@ -14029,7 +13692,7 @@
               <a:lstStyle/>
               <a:p>
                 <a:r>
-                  <a:rPr lang="en-US" altLang="zh-TW" sz="9600" b="1" dirty="0" smtClean="0">
+                  <a:rPr lang="en-US" altLang="zh-TW" sz="9600" b="1" dirty="0">
                     <a:solidFill>
                       <a:schemeClr val="bg2">
                         <a:lumMod val="75000"/>
@@ -14069,7 +13732,7 @@
               <a:lstStyle/>
               <a:p>
                 <a:r>
-                  <a:rPr lang="en-US" altLang="zh-TW" sz="9600" b="1" dirty="0" smtClean="0">
+                  <a:rPr lang="en-US" altLang="zh-TW" sz="9600" b="1" dirty="0">
                     <a:latin typeface="Comic Sans MS" panose="030F0702030302020204" pitchFamily="66" charset="0"/>
                     <a:ea typeface="微軟正黑體" panose="020B0604030504040204" pitchFamily="34" charset="-120"/>
                   </a:rPr>
@@ -14157,7 +13820,7 @@
             <a:lstStyle/>
             <a:p>
               <a:r>
-                <a:rPr lang="en-US" altLang="zh-TW" sz="8000" b="1" dirty="0" err="1" smtClean="0">
+                <a:rPr lang="en-US" altLang="zh-TW" sz="8000" b="1" dirty="0" err="1">
                   <a:effectLst>
                     <a:outerShdw blurRad="38100" dist="38100" dir="2700000" algn="tl">
                       <a:srgbClr val="000000">
@@ -14171,7 +13834,7 @@
                 <a:t>Github</a:t>
               </a:r>
               <a:r>
-                <a:rPr lang="zh-TW" altLang="en-US" sz="8000" b="1" dirty="0" smtClean="0">
+                <a:rPr lang="zh-TW" altLang="en-US" sz="8000" b="1" dirty="0">
                   <a:effectLst>
                     <a:outerShdw blurRad="38100" dist="38100" dir="2700000" algn="tl">
                       <a:srgbClr val="000000">
@@ -14184,7 +13847,7 @@
                 </a:rPr>
                 <a:t>分工</a:t>
               </a:r>
-              <a:endParaRPr lang="en-US" altLang="zh-TW" sz="8000" b="1" dirty="0" smtClean="0">
+              <a:endParaRPr lang="en-US" altLang="zh-TW" sz="8000" b="1" dirty="0">
                 <a:effectLst>
                   <a:outerShdw blurRad="38100" dist="38100" dir="2700000" algn="tl">
                     <a:srgbClr val="000000">
@@ -14642,7 +14305,7 @@
           <a:lstStyle/>
           <a:p>
             <a:r>
-              <a:rPr lang="en-US" altLang="zh-TW" sz="6600" b="1" dirty="0" smtClean="0">
+              <a:rPr lang="en-US" altLang="zh-TW" sz="6600" b="1" dirty="0">
                 <a:solidFill>
                   <a:schemeClr val="bg1"/>
                 </a:solidFill>
@@ -14712,7 +14375,7 @@
             <a:lstStyle/>
             <a:p>
               <a:r>
-                <a:rPr lang="en-US" altLang="zh-TW" sz="6600" b="1" dirty="0" err="1" smtClean="0">
+                <a:rPr lang="en-US" altLang="zh-TW" sz="6600" b="1" dirty="0" err="1">
                   <a:effectLst>
                     <a:outerShdw blurRad="38100" dist="38100" dir="2700000" algn="tl">
                       <a:srgbClr val="000000">
@@ -14726,7 +14389,7 @@
                 <a:t>Github</a:t>
               </a:r>
               <a:r>
-                <a:rPr lang="zh-TW" altLang="en-US" sz="6600" b="1" dirty="0" smtClean="0">
+                <a:rPr lang="zh-TW" altLang="en-US" sz="6600" b="1" dirty="0">
                   <a:effectLst>
                     <a:outerShdw blurRad="38100" dist="38100" dir="2700000" algn="tl">
                       <a:srgbClr val="000000">
@@ -14739,7 +14402,7 @@
                 </a:rPr>
                 <a:t>分工</a:t>
               </a:r>
-              <a:endParaRPr lang="en-US" altLang="zh-TW" sz="6600" b="1" dirty="0" smtClean="0">
+              <a:endParaRPr lang="en-US" altLang="zh-TW" sz="6600" b="1" dirty="0">
                 <a:effectLst>
                   <a:outerShdw blurRad="38100" dist="38100" dir="2700000" algn="tl">
                     <a:srgbClr val="000000">
@@ -15203,7 +14866,7 @@
             <a:lstStyle/>
             <a:p>
               <a:r>
-                <a:rPr lang="en-US" altLang="zh-TW" b="1" dirty="0" smtClean="0">
+                <a:rPr lang="en-US" altLang="zh-TW" b="1" dirty="0">
                   <a:effectLst>
                     <a:outerShdw blurRad="38100" dist="38100" dir="2700000" algn="tl">
                       <a:srgbClr val="000000">
@@ -15217,7 +14880,7 @@
                 <a:t>10946010</a:t>
               </a:r>
               <a:r>
-                <a:rPr lang="zh-TW" altLang="en-US" b="1" dirty="0" smtClean="0">
+                <a:rPr lang="zh-TW" altLang="en-US" b="1" dirty="0">
                   <a:effectLst>
                     <a:outerShdw blurRad="38100" dist="38100" dir="2700000" algn="tl">
                       <a:srgbClr val="000000">
@@ -15230,17 +14893,6 @@
                 </a:rPr>
                 <a:t>劉姿妘</a:t>
               </a:r>
-              <a:endParaRPr lang="zh-TW" altLang="en-US" b="1" dirty="0">
-                <a:effectLst>
-                  <a:outerShdw blurRad="38100" dist="38100" dir="2700000" algn="tl">
-                    <a:srgbClr val="000000">
-                      <a:alpha val="43137"/>
-                    </a:srgbClr>
-                  </a:outerShdw>
-                </a:effectLst>
-                <a:latin typeface="Comic Sans MS" panose="030F0702030302020204" pitchFamily="66" charset="0"/>
-                <a:ea typeface="微軟正黑體" panose="020B0604030504040204" pitchFamily="34" charset="-120"/>
-              </a:endParaRPr>
             </a:p>
           </p:txBody>
         </p:sp>
@@ -15269,7 +14921,7 @@
             <a:lstStyle/>
             <a:p>
               <a:r>
-                <a:rPr lang="en-US" altLang="zh-TW" b="1" dirty="0" smtClean="0">
+                <a:rPr lang="en-US" altLang="zh-TW" b="1" dirty="0">
                   <a:effectLst>
                     <a:outerShdw blurRad="38100" dist="38100" dir="2700000" algn="tl">
                       <a:srgbClr val="000000">
@@ -15283,7 +14935,7 @@
                 <a:t>10946029</a:t>
               </a:r>
               <a:r>
-                <a:rPr lang="zh-TW" altLang="en-US" b="1" dirty="0" smtClean="0">
+                <a:rPr lang="zh-TW" altLang="en-US" b="1" dirty="0">
                   <a:effectLst>
                     <a:outerShdw blurRad="38100" dist="38100" dir="2700000" algn="tl">
                       <a:srgbClr val="000000">
@@ -15296,17 +14948,6 @@
                 </a:rPr>
                 <a:t>李嘉羚</a:t>
               </a:r>
-              <a:endParaRPr lang="zh-TW" altLang="en-US" b="1" dirty="0">
-                <a:effectLst>
-                  <a:outerShdw blurRad="38100" dist="38100" dir="2700000" algn="tl">
-                    <a:srgbClr val="000000">
-                      <a:alpha val="43137"/>
-                    </a:srgbClr>
-                  </a:outerShdw>
-                </a:effectLst>
-                <a:latin typeface="Comic Sans MS" panose="030F0702030302020204" pitchFamily="66" charset="0"/>
-                <a:ea typeface="微軟正黑體" panose="020B0604030504040204" pitchFamily="34" charset="-120"/>
-              </a:endParaRPr>
             </a:p>
           </p:txBody>
         </p:sp>
@@ -15335,7 +14976,7 @@
             <a:lstStyle/>
             <a:p>
               <a:r>
-                <a:rPr lang="en-US" altLang="zh-TW" b="1" dirty="0" smtClean="0">
+                <a:rPr lang="en-US" altLang="zh-TW" b="1" dirty="0">
                   <a:effectLst>
                     <a:outerShdw blurRad="38100" dist="38100" dir="2700000" algn="tl">
                       <a:srgbClr val="000000">
@@ -15349,7 +14990,7 @@
                 <a:t>10946029</a:t>
               </a:r>
               <a:r>
-                <a:rPr lang="zh-TW" altLang="en-US" b="1" dirty="0" smtClean="0">
+                <a:rPr lang="zh-TW" altLang="en-US" b="1" dirty="0">
                   <a:effectLst>
                     <a:outerShdw blurRad="38100" dist="38100" dir="2700000" algn="tl">
                       <a:srgbClr val="000000">
@@ -15362,17 +15003,6 @@
                 </a:rPr>
                 <a:t>吳宇晞</a:t>
               </a:r>
-              <a:endParaRPr lang="zh-TW" altLang="en-US" b="1" dirty="0">
-                <a:effectLst>
-                  <a:outerShdw blurRad="38100" dist="38100" dir="2700000" algn="tl">
-                    <a:srgbClr val="000000">
-                      <a:alpha val="43137"/>
-                    </a:srgbClr>
-                  </a:outerShdw>
-                </a:effectLst>
-                <a:latin typeface="Comic Sans MS" panose="030F0702030302020204" pitchFamily="66" charset="0"/>
-                <a:ea typeface="微軟正黑體" panose="020B0604030504040204" pitchFamily="34" charset="-120"/>
-              </a:endParaRPr>
             </a:p>
           </p:txBody>
         </p:sp>
@@ -15401,7 +15031,7 @@
             <a:lstStyle/>
             <a:p>
               <a:r>
-                <a:rPr lang="en-US" altLang="zh-TW" b="1" dirty="0" smtClean="0">
+                <a:rPr lang="en-US" altLang="zh-TW" b="1" dirty="0">
                   <a:effectLst>
                     <a:outerShdw blurRad="38100" dist="38100" dir="2700000" algn="tl">
                       <a:srgbClr val="000000">
@@ -15415,7 +15045,7 @@
                 <a:t>10946013</a:t>
               </a:r>
               <a:r>
-                <a:rPr lang="zh-TW" altLang="en-US" b="1" dirty="0" smtClean="0">
+                <a:rPr lang="zh-TW" altLang="en-US" b="1" dirty="0">
                   <a:effectLst>
                     <a:outerShdw blurRad="38100" dist="38100" dir="2700000" algn="tl">
                       <a:srgbClr val="000000">
@@ -15428,17 +15058,6 @@
                 </a:rPr>
                 <a:t>趙　晴</a:t>
               </a:r>
-              <a:endParaRPr lang="zh-TW" altLang="en-US" b="1" dirty="0">
-                <a:effectLst>
-                  <a:outerShdw blurRad="38100" dist="38100" dir="2700000" algn="tl">
-                    <a:srgbClr val="000000">
-                      <a:alpha val="43137"/>
-                    </a:srgbClr>
-                  </a:outerShdw>
-                </a:effectLst>
-                <a:latin typeface="Comic Sans MS" panose="030F0702030302020204" pitchFamily="66" charset="0"/>
-                <a:ea typeface="微軟正黑體" panose="020B0604030504040204" pitchFamily="34" charset="-120"/>
-              </a:endParaRPr>
             </a:p>
           </p:txBody>
         </p:sp>
@@ -15467,7 +15086,7 @@
             <a:lstStyle/>
             <a:p>
               <a:r>
-                <a:rPr lang="en-US" altLang="zh-TW" b="1" dirty="0" smtClean="0">
+                <a:rPr lang="en-US" altLang="zh-TW" b="1" dirty="0">
                   <a:effectLst>
                     <a:outerShdw blurRad="38100" dist="38100" dir="2700000" algn="tl">
                       <a:srgbClr val="000000">
@@ -15481,7 +15100,7 @@
                 <a:t>10946009</a:t>
               </a:r>
               <a:r>
-                <a:rPr lang="zh-TW" altLang="en-US" b="1" dirty="0" smtClean="0">
+                <a:rPr lang="zh-TW" altLang="en-US" b="1" dirty="0">
                   <a:effectLst>
                     <a:outerShdw blurRad="38100" dist="38100" dir="2700000" algn="tl">
                       <a:srgbClr val="000000">
@@ -15494,7 +15113,44 @@
                 </a:rPr>
                 <a:t>陳品茹</a:t>
               </a:r>
-              <a:endParaRPr lang="zh-TW" altLang="en-US" b="1" dirty="0">
+            </a:p>
+          </p:txBody>
+        </p:sp>
+      </p:grpSp>
+      <p:sp>
+        <p:nvSpPr>
+          <p:cNvPr id="29" name="投影片編號版面配置區 6">
+            <a:extLst>
+              <a:ext uri="{FF2B5EF4-FFF2-40B4-BE49-F238E27FC236}">
+                <a16:creationId xmlns:a16="http://schemas.microsoft.com/office/drawing/2014/main" id="{0504EEDA-41C0-40EE-89B9-2A83DB6EC469}"/>
+              </a:ext>
+            </a:extLst>
+          </p:cNvPr>
+          <p:cNvSpPr txBox="1">
+            <a:spLocks/>
+          </p:cNvSpPr>
+          <p:nvPr/>
+        </p:nvSpPr>
+        <p:spPr>
+          <a:xfrm>
+            <a:off x="9321475" y="6363045"/>
+            <a:ext cx="2743200" cy="365125"/>
+          </a:xfrm>
+          <a:prstGeom prst="rect">
+            <a:avLst/>
+          </a:prstGeom>
+        </p:spPr>
+        <p:txBody>
+          <a:bodyPr/>
+          <a:lstStyle>
+            <a:defPPr>
+              <a:defRPr lang="zh-TW"/>
+            </a:defPPr>
+            <a:lvl1pPr marL="0" algn="r" defTabSz="914400" rtl="0" eaLnBrk="1" latinLnBrk="0" hangingPunct="1">
+              <a:defRPr lang="zh-TW" altLang="en-US" sz="2400" b="1" kern="1200" smtClean="0">
+                <a:solidFill>
+                  <a:schemeClr val="tx1"/>
+                </a:solidFill>
                 <a:effectLst>
                   <a:outerShdw blurRad="38100" dist="38100" dir="2700000" algn="tl">
                     <a:srgbClr val="000000">
@@ -15502,13 +15158,102 @@
                     </a:srgbClr>
                   </a:outerShdw>
                 </a:effectLst>
-                <a:latin typeface="Comic Sans MS" panose="030F0702030302020204" pitchFamily="66" charset="0"/>
-                <a:ea typeface="微軟正黑體" panose="020B0604030504040204" pitchFamily="34" charset="-120"/>
-              </a:endParaRPr>
-            </a:p>
-          </p:txBody>
-        </p:sp>
-      </p:grpSp>
+                <a:latin typeface="+mn-lt"/>
+                <a:ea typeface="+mn-ea"/>
+                <a:cs typeface="+mn-cs"/>
+              </a:defRPr>
+            </a:lvl1pPr>
+            <a:lvl2pPr marL="457200" algn="l" defTabSz="914400" rtl="0" eaLnBrk="1" latinLnBrk="0" hangingPunct="1">
+              <a:defRPr sz="1800" kern="1200">
+                <a:solidFill>
+                  <a:schemeClr val="tx1"/>
+                </a:solidFill>
+                <a:latin typeface="+mn-lt"/>
+                <a:ea typeface="+mn-ea"/>
+                <a:cs typeface="+mn-cs"/>
+              </a:defRPr>
+            </a:lvl2pPr>
+            <a:lvl3pPr marL="914400" algn="l" defTabSz="914400" rtl="0" eaLnBrk="1" latinLnBrk="0" hangingPunct="1">
+              <a:defRPr sz="1800" kern="1200">
+                <a:solidFill>
+                  <a:schemeClr val="tx1"/>
+                </a:solidFill>
+                <a:latin typeface="+mn-lt"/>
+                <a:ea typeface="+mn-ea"/>
+                <a:cs typeface="+mn-cs"/>
+              </a:defRPr>
+            </a:lvl3pPr>
+            <a:lvl4pPr marL="1371600" algn="l" defTabSz="914400" rtl="0" eaLnBrk="1" latinLnBrk="0" hangingPunct="1">
+              <a:defRPr sz="1800" kern="1200">
+                <a:solidFill>
+                  <a:schemeClr val="tx1"/>
+                </a:solidFill>
+                <a:latin typeface="+mn-lt"/>
+                <a:ea typeface="+mn-ea"/>
+                <a:cs typeface="+mn-cs"/>
+              </a:defRPr>
+            </a:lvl4pPr>
+            <a:lvl5pPr marL="1828800" algn="l" defTabSz="914400" rtl="0" eaLnBrk="1" latinLnBrk="0" hangingPunct="1">
+              <a:defRPr sz="1800" kern="1200">
+                <a:solidFill>
+                  <a:schemeClr val="tx1"/>
+                </a:solidFill>
+                <a:latin typeface="+mn-lt"/>
+                <a:ea typeface="+mn-ea"/>
+                <a:cs typeface="+mn-cs"/>
+              </a:defRPr>
+            </a:lvl5pPr>
+            <a:lvl6pPr marL="2286000" algn="l" defTabSz="914400" rtl="0" eaLnBrk="1" latinLnBrk="0" hangingPunct="1">
+              <a:defRPr sz="1800" kern="1200">
+                <a:solidFill>
+                  <a:schemeClr val="tx1"/>
+                </a:solidFill>
+                <a:latin typeface="+mn-lt"/>
+                <a:ea typeface="+mn-ea"/>
+                <a:cs typeface="+mn-cs"/>
+              </a:defRPr>
+            </a:lvl6pPr>
+            <a:lvl7pPr marL="2743200" algn="l" defTabSz="914400" rtl="0" eaLnBrk="1" latinLnBrk="0" hangingPunct="1">
+              <a:defRPr sz="1800" kern="1200">
+                <a:solidFill>
+                  <a:schemeClr val="tx1"/>
+                </a:solidFill>
+                <a:latin typeface="+mn-lt"/>
+                <a:ea typeface="+mn-ea"/>
+                <a:cs typeface="+mn-cs"/>
+              </a:defRPr>
+            </a:lvl7pPr>
+            <a:lvl8pPr marL="3200400" algn="l" defTabSz="914400" rtl="0" eaLnBrk="1" latinLnBrk="0" hangingPunct="1">
+              <a:defRPr sz="1800" kern="1200">
+                <a:solidFill>
+                  <a:schemeClr val="tx1"/>
+                </a:solidFill>
+                <a:latin typeface="+mn-lt"/>
+                <a:ea typeface="+mn-ea"/>
+                <a:cs typeface="+mn-cs"/>
+              </a:defRPr>
+            </a:lvl8pPr>
+            <a:lvl9pPr marL="3657600" algn="l" defTabSz="914400" rtl="0" eaLnBrk="1" latinLnBrk="0" hangingPunct="1">
+              <a:defRPr sz="1800" kern="1200">
+                <a:solidFill>
+                  <a:schemeClr val="tx1"/>
+                </a:solidFill>
+                <a:latin typeface="+mn-lt"/>
+                <a:ea typeface="+mn-ea"/>
+                <a:cs typeface="+mn-cs"/>
+              </a:defRPr>
+            </a:lvl9pPr>
+          </a:lstStyle>
+          <a:p>
+            <a:fld id="{795E361D-9413-4254-AA94-27C90436F983}" type="slidenum">
+              <a:rPr lang="en-US" altLang="zh-TW" smtClean="0"/>
+              <a:pPr/>
+              <a:t>4</a:t>
+            </a:fld>
+            <a:endParaRPr lang="en-US" dirty="0"/>
+          </a:p>
+        </p:txBody>
+      </p:sp>
     </p:spTree>
     <p:extLst>
       <p:ext uri="{BB962C8B-B14F-4D97-AF65-F5344CB8AC3E}">
@@ -15880,7 +15625,7 @@
               <a:lstStyle/>
               <a:p>
                 <a:r>
-                  <a:rPr lang="en-US" altLang="zh-TW" sz="8000" b="1" dirty="0" smtClean="0">
+                  <a:rPr lang="en-US" altLang="zh-TW" sz="8000" b="1" dirty="0">
                     <a:solidFill>
                       <a:schemeClr val="bg2">
                         <a:lumMod val="75000"/>
@@ -15925,7 +15670,7 @@
               <a:lstStyle/>
               <a:p>
                 <a:r>
-                  <a:rPr lang="en-US" altLang="zh-TW" sz="8000" b="1" dirty="0" smtClean="0">
+                  <a:rPr lang="en-US" altLang="zh-TW" sz="8000" b="1" dirty="0">
                     <a:latin typeface="Comic Sans MS" panose="030F0702030302020204" pitchFamily="66" charset="0"/>
                     <a:ea typeface="微軟正黑體" panose="020B0604030504040204" pitchFamily="34" charset="-120"/>
                   </a:rPr>
@@ -15975,7 +15720,7 @@
               <a:lstStyle/>
               <a:p>
                 <a:r>
-                  <a:rPr lang="en-US" altLang="zh-TW" sz="9600" b="1" dirty="0" smtClean="0">
+                  <a:rPr lang="en-US" altLang="zh-TW" sz="9600" b="1" dirty="0">
                     <a:solidFill>
                       <a:schemeClr val="bg2">
                         <a:lumMod val="75000"/>
@@ -16015,7 +15760,7 @@
               <a:lstStyle/>
               <a:p>
                 <a:r>
-                  <a:rPr lang="en-US" altLang="zh-TW" sz="9600" b="1" dirty="0" smtClean="0">
+                  <a:rPr lang="en-US" altLang="zh-TW" sz="9600" b="1" dirty="0">
                     <a:latin typeface="Comic Sans MS" panose="030F0702030302020204" pitchFamily="66" charset="0"/>
                     <a:ea typeface="微軟正黑體" panose="020B0604030504040204" pitchFamily="34" charset="-120"/>
                   </a:rPr>
@@ -16103,7 +15848,7 @@
             <a:lstStyle/>
             <a:p>
               <a:r>
-                <a:rPr lang="zh-TW" altLang="en-US" sz="8000" b="1" dirty="0" smtClean="0">
+                <a:rPr lang="zh-TW" altLang="en-US" sz="8000" b="1" dirty="0">
                   <a:effectLst>
                     <a:outerShdw blurRad="38100" dist="38100" dir="2700000" algn="tl">
                       <a:srgbClr val="000000">
@@ -16114,7 +15859,7 @@
                   <a:latin typeface="Comic Sans MS" panose="030F0702030302020204" pitchFamily="66" charset="0"/>
                   <a:ea typeface="微軟正黑體" panose="020B0604030504040204" pitchFamily="34" charset="-120"/>
                 </a:rPr>
-                <a:t>餐廳等候系統</a:t>
+                <a:t>餐廳點餐系統</a:t>
               </a:r>
               <a:endParaRPr lang="en-US" altLang="zh-TW" sz="8000" b="1" dirty="0">
                 <a:effectLst>
@@ -16574,7 +16319,7 @@
           <a:lstStyle/>
           <a:p>
             <a:r>
-              <a:rPr lang="en-US" altLang="zh-TW" sz="6600" b="1" dirty="0" smtClean="0">
+              <a:rPr lang="en-US" altLang="zh-TW" sz="6600" b="1" dirty="0">
                 <a:solidFill>
                   <a:schemeClr val="bg1"/>
                 </a:solidFill>
@@ -16655,9 +16400,9 @@
                   <a:latin typeface="Comic Sans MS" panose="030F0702030302020204" pitchFamily="66" charset="0"/>
                   <a:ea typeface="微軟正黑體" panose="020B0604030504040204" pitchFamily="34" charset="-120"/>
                 </a:rPr>
-                <a:t>餐廳等候系統</a:t>
+                <a:t>餐廳點餐系統</a:t>
               </a:r>
-              <a:endParaRPr lang="en-US" altLang="zh-TW" sz="6600" b="1" dirty="0" smtClean="0">
+              <a:endParaRPr lang="en-US" altLang="zh-TW" sz="6600" b="1" dirty="0">
                 <a:effectLst>
                   <a:outerShdw blurRad="38100" dist="38100" dir="2700000" algn="tl">
                     <a:srgbClr val="000000">
@@ -16886,34 +16631,34 @@
           <a:lstStyle/>
           <a:p>
             <a:r>
-              <a:rPr lang="zh-TW" altLang="en-US" sz="4000" b="1" dirty="0" smtClean="0">
+              <a:rPr lang="zh-TW" altLang="en-US" sz="4000" b="1" dirty="0">
                 <a:latin typeface="Comic Sans MS" panose="030F0702030302020204" pitchFamily="66" charset="0"/>
                 <a:ea typeface="微軟正黑體" panose="020B0604030504040204" pitchFamily="34" charset="-120"/>
               </a:rPr>
               <a:t>每個單位需要</a:t>
             </a:r>
             <a:r>
-              <a:rPr lang="en-US" altLang="zh-TW" sz="4000" b="1" dirty="0" smtClean="0">
+              <a:rPr lang="en-US" altLang="zh-TW" sz="4000" b="1" dirty="0">
                 <a:latin typeface="Comic Sans MS" panose="030F0702030302020204" pitchFamily="66" charset="0"/>
                 <a:ea typeface="微軟正黑體" panose="020B0604030504040204" pitchFamily="34" charset="-120"/>
               </a:rPr>
               <a:t>5</a:t>
             </a:r>
             <a:r>
-              <a:rPr lang="zh-TW" altLang="en-US" sz="4000" b="1" dirty="0" smtClean="0">
+              <a:rPr lang="zh-TW" altLang="en-US" sz="4000" b="1" dirty="0">
                 <a:latin typeface="Comic Sans MS" panose="030F0702030302020204" pitchFamily="66" charset="0"/>
                 <a:ea typeface="微軟正黑體" panose="020B0604030504040204" pitchFamily="34" charset="-120"/>
               </a:rPr>
               <a:t>分鐘</a:t>
             </a:r>
-            <a:endParaRPr lang="en-US" altLang="zh-TW" sz="4000" b="1" dirty="0" smtClean="0">
+            <a:endParaRPr lang="en-US" altLang="zh-TW" sz="4000" b="1" dirty="0">
               <a:latin typeface="Comic Sans MS" panose="030F0702030302020204" pitchFamily="66" charset="0"/>
               <a:ea typeface="微軟正黑體" panose="020B0604030504040204" pitchFamily="34" charset="-120"/>
             </a:endParaRPr>
           </a:p>
           <a:p>
             <a:r>
-              <a:rPr lang="zh-TW" altLang="en-US" sz="4000" b="1" dirty="0" smtClean="0">
+              <a:rPr lang="zh-TW" altLang="en-US" sz="4000" b="1" dirty="0">
                 <a:latin typeface="Comic Sans MS" panose="030F0702030302020204" pitchFamily="66" charset="0"/>
                 <a:ea typeface="微軟正黑體" panose="020B0604030504040204" pitchFamily="34" charset="-120"/>
               </a:rPr>
@@ -16941,18 +16686,11 @@
               <a:t>5</a:t>
             </a:r>
             <a:r>
-              <a:rPr lang="zh-TW" altLang="en-US" sz="4000" b="1" dirty="0" smtClean="0">
-                <a:latin typeface="Comic Sans MS" panose="030F0702030302020204" pitchFamily="66" charset="0"/>
-                <a:ea typeface="微軟正黑體" panose="020B0604030504040204" pitchFamily="34" charset="-120"/>
-              </a:rPr>
-              <a:t>個單</a:t>
-            </a:r>
-            <a:r>
               <a:rPr lang="zh-TW" altLang="en-US" sz="4000" b="1" dirty="0">
                 <a:latin typeface="Comic Sans MS" panose="030F0702030302020204" pitchFamily="66" charset="0"/>
                 <a:ea typeface="微軟正黑體" panose="020B0604030504040204" pitchFamily="34" charset="-120"/>
               </a:rPr>
-              <a:t>位</a:t>
+              <a:t>個單位</a:t>
             </a:r>
           </a:p>
         </p:txBody>
@@ -16980,16 +16718,12 @@
           <a:lstStyle/>
           <a:p>
             <a:r>
-              <a:rPr lang="zh-TW" altLang="en-US" sz="4000" b="1" dirty="0" smtClean="0">
+              <a:rPr lang="zh-TW" altLang="en-US" sz="4000" b="1" dirty="0">
                 <a:latin typeface="Comic Sans MS" panose="030F0702030302020204" pitchFamily="66" charset="0"/>
                 <a:ea typeface="微軟正黑體" panose="020B0604030504040204" pitchFamily="34" charset="-120"/>
               </a:rPr>
               <a:t>前提：</a:t>
             </a:r>
-            <a:endParaRPr lang="zh-TW" altLang="en-US" sz="4000" b="1" dirty="0">
-              <a:latin typeface="Comic Sans MS" panose="030F0702030302020204" pitchFamily="66" charset="0"/>
-              <a:ea typeface="微軟正黑體" panose="020B0604030504040204" pitchFamily="34" charset="-120"/>
-            </a:endParaRPr>
           </a:p>
         </p:txBody>
       </p:sp>
@@ -17023,14 +16757,14 @@
               <a:t>青菜牛肉</a:t>
             </a:r>
             <a:r>
-              <a:rPr lang="en-US" altLang="zh-TW" sz="4000" b="1" dirty="0" smtClean="0">
+              <a:rPr lang="en-US" altLang="zh-TW" sz="4000" b="1" dirty="0">
                 <a:latin typeface="Comic Sans MS" panose="030F0702030302020204" pitchFamily="66" charset="0"/>
                 <a:ea typeface="微軟正黑體" panose="020B0604030504040204" pitchFamily="34" charset="-120"/>
               </a:rPr>
               <a:t>1</a:t>
             </a:r>
             <a:r>
-              <a:rPr lang="zh-TW" altLang="en-US" sz="4000" b="1" dirty="0" smtClean="0">
+              <a:rPr lang="zh-TW" altLang="en-US" sz="4000" b="1" dirty="0">
                 <a:latin typeface="Comic Sans MS" panose="030F0702030302020204" pitchFamily="66" charset="0"/>
                 <a:ea typeface="微軟正黑體" panose="020B0604030504040204" pitchFamily="34" charset="-120"/>
               </a:rPr>
@@ -17043,66 +16777,52 @@
           </a:p>
           <a:p>
             <a:r>
-              <a:rPr lang="zh-TW" altLang="en-US" sz="4000" b="1" dirty="0" smtClean="0">
+              <a:rPr lang="zh-TW" altLang="en-US" sz="4000" b="1" dirty="0">
                 <a:latin typeface="Comic Sans MS" panose="030F0702030302020204" pitchFamily="66" charset="0"/>
                 <a:ea typeface="微軟正黑體" panose="020B0604030504040204" pitchFamily="34" charset="-120"/>
               </a:rPr>
               <a:t>炒魷魚</a:t>
             </a:r>
             <a:r>
-              <a:rPr lang="en-US" altLang="zh-TW" sz="4000" b="1" dirty="0" smtClean="0">
+              <a:rPr lang="en-US" altLang="zh-TW" sz="4000" b="1" dirty="0">
                 <a:latin typeface="Comic Sans MS" panose="030F0702030302020204" pitchFamily="66" charset="0"/>
                 <a:ea typeface="微軟正黑體" panose="020B0604030504040204" pitchFamily="34" charset="-120"/>
               </a:rPr>
               <a:t>2</a:t>
             </a:r>
             <a:r>
-              <a:rPr lang="zh-TW" altLang="en-US" sz="4000" b="1" dirty="0" smtClean="0">
+              <a:rPr lang="zh-TW" altLang="en-US" sz="4000" b="1" dirty="0">
                 <a:latin typeface="Comic Sans MS" panose="030F0702030302020204" pitchFamily="66" charset="0"/>
                 <a:ea typeface="微軟正黑體" panose="020B0604030504040204" pitchFamily="34" charset="-120"/>
               </a:rPr>
               <a:t>單位</a:t>
             </a:r>
-            <a:endParaRPr lang="en-US" altLang="zh-TW" sz="4000" b="1" dirty="0" smtClean="0">
+            <a:endParaRPr lang="en-US" altLang="zh-TW" sz="4000" b="1" dirty="0">
               <a:latin typeface="Comic Sans MS" panose="030F0702030302020204" pitchFamily="66" charset="0"/>
               <a:ea typeface="微軟正黑體" panose="020B0604030504040204" pitchFamily="34" charset="-120"/>
             </a:endParaRPr>
           </a:p>
           <a:p>
             <a:r>
-              <a:rPr lang="zh-TW" altLang="en-US" sz="4000" b="1" dirty="0" smtClean="0">
+              <a:rPr lang="zh-TW" altLang="en-US" sz="4000" b="1" dirty="0">
                 <a:latin typeface="Comic Sans MS" panose="030F0702030302020204" pitchFamily="66" charset="0"/>
                 <a:ea typeface="微軟正黑體" panose="020B0604030504040204" pitchFamily="34" charset="-120"/>
               </a:rPr>
-              <a:t>蝦仁</a:t>
+              <a:t>蝦仁炒蛋</a:t>
+            </a:r>
+            <a:r>
+              <a:rPr lang="en-US" altLang="zh-TW" sz="4000" b="1" dirty="0">
+                <a:latin typeface="Comic Sans MS" panose="030F0702030302020204" pitchFamily="66" charset="0"/>
+                <a:ea typeface="微軟正黑體" panose="020B0604030504040204" pitchFamily="34" charset="-120"/>
+              </a:rPr>
+              <a:t>2</a:t>
             </a:r>
             <a:r>
               <a:rPr lang="zh-TW" altLang="en-US" sz="4000" b="1" dirty="0">
                 <a:latin typeface="Comic Sans MS" panose="030F0702030302020204" pitchFamily="66" charset="0"/>
                 <a:ea typeface="微軟正黑體" panose="020B0604030504040204" pitchFamily="34" charset="-120"/>
               </a:rPr>
-              <a:t>炒蛋</a:t>
-            </a:r>
-            <a:r>
-              <a:rPr lang="en-US" altLang="zh-TW" sz="4000" b="1" dirty="0" smtClean="0">
-                <a:latin typeface="Comic Sans MS" panose="030F0702030302020204" pitchFamily="66" charset="0"/>
-                <a:ea typeface="微軟正黑體" panose="020B0604030504040204" pitchFamily="34" charset="-120"/>
-              </a:rPr>
-              <a:t>2</a:t>
-            </a:r>
-            <a:r>
-              <a:rPr lang="zh-TW" altLang="en-US" sz="4000" b="1" dirty="0" smtClean="0">
-                <a:latin typeface="Comic Sans MS" panose="030F0702030302020204" pitchFamily="66" charset="0"/>
-                <a:ea typeface="微軟正黑體" panose="020B0604030504040204" pitchFamily="34" charset="-120"/>
-              </a:rPr>
-              <a:t>單</a:t>
-            </a:r>
-            <a:r>
-              <a:rPr lang="zh-TW" altLang="en-US" sz="4000" b="1" dirty="0">
-                <a:latin typeface="Comic Sans MS" panose="030F0702030302020204" pitchFamily="66" charset="0"/>
-                <a:ea typeface="微軟正黑體" panose="020B0604030504040204" pitchFamily="34" charset="-120"/>
-              </a:rPr>
-              <a:t>位</a:t>
+              <a:t>單位</a:t>
             </a:r>
           </a:p>
         </p:txBody>
@@ -17134,19 +16854,8 @@
                 <a:latin typeface="Comic Sans MS" panose="030F0702030302020204" pitchFamily="66" charset="0"/>
                 <a:ea typeface="微軟正黑體" panose="020B0604030504040204" pitchFamily="34" charset="-120"/>
               </a:rPr>
-              <a:t>範例</a:t>
+              <a:t>範例：</a:t>
             </a:r>
-            <a:r>
-              <a:rPr lang="zh-TW" altLang="en-US" sz="4000" b="1" dirty="0" smtClean="0">
-                <a:latin typeface="Comic Sans MS" panose="030F0702030302020204" pitchFamily="66" charset="0"/>
-                <a:ea typeface="微軟正黑體" panose="020B0604030504040204" pitchFamily="34" charset="-120"/>
-              </a:rPr>
-              <a:t>：</a:t>
-            </a:r>
-            <a:endParaRPr lang="zh-TW" altLang="en-US" sz="4000" b="1" dirty="0">
-              <a:latin typeface="Comic Sans MS" panose="030F0702030302020204" pitchFamily="66" charset="0"/>
-              <a:ea typeface="微軟正黑體" panose="020B0604030504040204" pitchFamily="34" charset="-120"/>
-            </a:endParaRPr>
           </a:p>
         </p:txBody>
       </p:sp>
@@ -17174,6 +16883,41 @@
           </a:prstGeom>
         </p:spPr>
       </p:pic>
+      <p:sp>
+        <p:nvSpPr>
+          <p:cNvPr id="7" name="投影片編號版面配置區 6">
+            <a:extLst>
+              <a:ext uri="{FF2B5EF4-FFF2-40B4-BE49-F238E27FC236}">
+                <a16:creationId xmlns:a16="http://schemas.microsoft.com/office/drawing/2014/main" id="{5A5D150D-747E-49A8-920A-9444950A53F0}"/>
+              </a:ext>
+            </a:extLst>
+          </p:cNvPr>
+          <p:cNvSpPr>
+            <a:spLocks noGrp="1"/>
+          </p:cNvSpPr>
+          <p:nvPr>
+            <p:ph type="sldNum" sz="quarter" idx="4294967295"/>
+          </p:nvPr>
+        </p:nvSpPr>
+        <p:spPr>
+          <a:xfrm>
+            <a:off x="9333050" y="6374620"/>
+            <a:ext cx="2743200" cy="365125"/>
+          </a:xfrm>
+        </p:spPr>
+        <p:txBody>
+          <a:bodyPr/>
+          <a:lstStyle/>
+          <a:p>
+            <a:fld id="{795E361D-9413-4254-AA94-27C90436F983}" type="slidenum">
+              <a:rPr lang="en-US" altLang="zh-TW" smtClean="0"/>
+              <a:pPr/>
+              <a:t>6</a:t>
+            </a:fld>
+            <a:endParaRPr lang="en-US" dirty="0"/>
+          </a:p>
+        </p:txBody>
+      </p:sp>
     </p:spTree>
     <p:extLst>
       <p:ext uri="{BB962C8B-B14F-4D97-AF65-F5344CB8AC3E}">
@@ -17803,7 +17547,7 @@
           <a:lstStyle/>
           <a:p>
             <a:r>
-              <a:rPr lang="en-US" altLang="zh-TW" sz="6600" b="1" dirty="0" smtClean="0">
+              <a:rPr lang="en-US" altLang="zh-TW" sz="6600" b="1" dirty="0">
                 <a:solidFill>
                   <a:schemeClr val="bg1"/>
                 </a:solidFill>
@@ -17884,9 +17628,9 @@
                   <a:latin typeface="Comic Sans MS" panose="030F0702030302020204" pitchFamily="66" charset="0"/>
                   <a:ea typeface="微軟正黑體" panose="020B0604030504040204" pitchFamily="34" charset="-120"/>
                 </a:rPr>
-                <a:t>餐廳等候系統</a:t>
+                <a:t>餐廳點餐系統</a:t>
               </a:r>
-              <a:endParaRPr lang="en-US" altLang="zh-TW" sz="6600" b="1" dirty="0" smtClean="0">
+              <a:endParaRPr lang="en-US" altLang="zh-TW" sz="6600" b="1" dirty="0">
                 <a:effectLst>
                   <a:outerShdw blurRad="38100" dist="38100" dir="2700000" algn="tl">
                     <a:srgbClr val="000000">
@@ -18374,7 +18118,7 @@
               <a:lstStyle/>
               <a:p>
                 <a:r>
-                  <a:rPr lang="zh-TW" altLang="en-US" sz="3200" b="1" dirty="0" smtClean="0">
+                  <a:rPr lang="zh-TW" altLang="en-US" sz="3200" b="1" dirty="0">
                     <a:effectLst>
                       <a:outerShdw blurRad="38100" dist="38100" dir="2700000" algn="tl">
                         <a:srgbClr val="000000">
@@ -18387,17 +18131,6 @@
                   </a:rPr>
                   <a:t>推薦！</a:t>
                 </a:r>
-                <a:endParaRPr lang="zh-TW" altLang="en-US" sz="3200" b="1" dirty="0">
-                  <a:effectLst>
-                    <a:outerShdw blurRad="38100" dist="38100" dir="2700000" algn="tl">
-                      <a:srgbClr val="000000">
-                        <a:alpha val="43137"/>
-                      </a:srgbClr>
-                    </a:outerShdw>
-                  </a:effectLst>
-                  <a:latin typeface="Comic Sans MS" panose="030F0702030302020204" pitchFamily="66" charset="0"/>
-                  <a:ea typeface="微軟正黑體" panose="020B0604030504040204" pitchFamily="34" charset="-120"/>
-                </a:endParaRPr>
               </a:p>
             </p:txBody>
           </p:sp>
@@ -18473,7 +18206,7 @@
                 <a:lstStyle/>
                 <a:p>
                   <a:r>
-                    <a:rPr lang="zh-TW" altLang="en-US" sz="2800" b="1" dirty="0" smtClean="0">
+                    <a:rPr lang="zh-TW" altLang="en-US" sz="2800" b="1" dirty="0">
                       <a:effectLst>
                         <a:outerShdw blurRad="38100" dist="38100" dir="2700000" algn="tl">
                           <a:srgbClr val="000000">
@@ -18486,17 +18219,6 @@
                     </a:rPr>
                     <a:t>青菜牛肉</a:t>
                   </a:r>
-                  <a:endParaRPr lang="zh-TW" altLang="en-US" sz="2800" b="1" dirty="0">
-                    <a:effectLst>
-                      <a:outerShdw blurRad="38100" dist="38100" dir="2700000" algn="tl">
-                        <a:srgbClr val="000000">
-                          <a:alpha val="43137"/>
-                        </a:srgbClr>
-                      </a:outerShdw>
-                    </a:effectLst>
-                    <a:latin typeface="Comic Sans MS" panose="030F0702030302020204" pitchFamily="66" charset="0"/>
-                    <a:ea typeface="微軟正黑體" panose="020B0604030504040204" pitchFamily="34" charset="-120"/>
-                  </a:endParaRPr>
                 </a:p>
               </p:txBody>
             </p:sp>
@@ -18523,7 +18245,7 @@
                 <a:lstStyle/>
                 <a:p>
                   <a:r>
-                    <a:rPr lang="zh-TW" altLang="en-US" sz="2000" b="1" dirty="0" smtClean="0">
+                    <a:rPr lang="zh-TW" altLang="en-US" sz="2000" b="1" dirty="0">
                       <a:effectLst>
                         <a:outerShdw blurRad="38100" dist="38100" dir="2700000" algn="tl">
                           <a:srgbClr val="000000">
@@ -18537,7 +18259,7 @@
                     <a:t>平均等待時間：</a:t>
                   </a:r>
                   <a:r>
-                    <a:rPr lang="en-US" altLang="zh-TW" sz="2000" b="1" dirty="0" smtClean="0">
+                    <a:rPr lang="en-US" altLang="zh-TW" sz="2000" b="1" dirty="0">
                       <a:effectLst>
                         <a:outerShdw blurRad="38100" dist="38100" dir="2700000" algn="tl">
                           <a:srgbClr val="000000">
@@ -18676,7 +18398,7 @@
                 <a:lstStyle/>
                 <a:p>
                   <a:r>
-                    <a:rPr lang="zh-TW" altLang="en-US" sz="2800" b="1" dirty="0" smtClean="0">
+                    <a:rPr lang="zh-TW" altLang="en-US" sz="2800" b="1" dirty="0">
                       <a:effectLst>
                         <a:outerShdw blurRad="38100" dist="38100" dir="2700000" algn="tl">
                           <a:srgbClr val="000000">
@@ -18689,17 +18411,6 @@
                     </a:rPr>
                     <a:t>炒魷魚</a:t>
                   </a:r>
-                  <a:endParaRPr lang="zh-TW" altLang="en-US" sz="2800" b="1" dirty="0">
-                    <a:effectLst>
-                      <a:outerShdw blurRad="38100" dist="38100" dir="2700000" algn="tl">
-                        <a:srgbClr val="000000">
-                          <a:alpha val="43137"/>
-                        </a:srgbClr>
-                      </a:outerShdw>
-                    </a:effectLst>
-                    <a:latin typeface="Comic Sans MS" panose="030F0702030302020204" pitchFamily="66" charset="0"/>
-                    <a:ea typeface="微軟正黑體" panose="020B0604030504040204" pitchFamily="34" charset="-120"/>
-                  </a:endParaRPr>
                 </a:p>
               </p:txBody>
             </p:sp>
@@ -18726,7 +18437,7 @@
                 <a:lstStyle/>
                 <a:p>
                   <a:r>
-                    <a:rPr lang="zh-TW" altLang="en-US" sz="2000" b="1" dirty="0" smtClean="0">
+                    <a:rPr lang="zh-TW" altLang="en-US" sz="2000" b="1" dirty="0">
                       <a:effectLst>
                         <a:outerShdw blurRad="38100" dist="38100" dir="2700000" algn="tl">
                           <a:srgbClr val="000000">
@@ -18740,7 +18451,7 @@
                     <a:t>平均等待時間：</a:t>
                   </a:r>
                   <a:r>
-                    <a:rPr lang="en-US" altLang="zh-TW" sz="2000" b="1" dirty="0" smtClean="0">
+                    <a:rPr lang="en-US" altLang="zh-TW" sz="2000" b="1" dirty="0">
                       <a:effectLst>
                         <a:outerShdw blurRad="38100" dist="38100" dir="2700000" algn="tl">
                           <a:srgbClr val="000000">
@@ -18792,16 +18503,12 @@
             <a:lstStyle/>
             <a:p>
               <a:r>
-                <a:rPr lang="zh-TW" altLang="en-US" sz="2400" b="1" dirty="0" smtClean="0">
+                <a:rPr lang="zh-TW" altLang="en-US" sz="2400" b="1" dirty="0">
                   <a:latin typeface="Comic Sans MS" panose="030F0702030302020204" pitchFamily="66" charset="0"/>
                   <a:ea typeface="微軟正黑體" panose="020B0604030504040204" pitchFamily="34" charset="-120"/>
                 </a:rPr>
                 <a:t>使用者：客人</a:t>
               </a:r>
-              <a:endParaRPr lang="zh-TW" altLang="en-US" sz="2400" b="1" dirty="0">
-                <a:latin typeface="Comic Sans MS" panose="030F0702030302020204" pitchFamily="66" charset="0"/>
-                <a:ea typeface="微軟正黑體" panose="020B0604030504040204" pitchFamily="34" charset="-120"/>
-              </a:endParaRPr>
             </a:p>
           </p:txBody>
         </p:sp>
@@ -19064,7 +18771,7 @@
               <a:lstStyle/>
               <a:p>
                 <a:r>
-                  <a:rPr lang="zh-TW" altLang="en-US" sz="3200" b="1" dirty="0" smtClean="0">
+                  <a:rPr lang="zh-TW" altLang="en-US" sz="3200" b="1" dirty="0">
                     <a:effectLst>
                       <a:outerShdw blurRad="38100" dist="38100" dir="2700000" algn="tl">
                         <a:srgbClr val="000000">
@@ -19077,17 +18784,6 @@
                   </a:rPr>
                   <a:t>目前準備中</a:t>
                 </a:r>
-                <a:endParaRPr lang="zh-TW" altLang="en-US" sz="3200" b="1" dirty="0">
-                  <a:effectLst>
-                    <a:outerShdw blurRad="38100" dist="38100" dir="2700000" algn="tl">
-                      <a:srgbClr val="000000">
-                        <a:alpha val="43137"/>
-                      </a:srgbClr>
-                    </a:outerShdw>
-                  </a:effectLst>
-                  <a:latin typeface="Comic Sans MS" panose="030F0702030302020204" pitchFamily="66" charset="0"/>
-                  <a:ea typeface="微軟正黑體" panose="020B0604030504040204" pitchFamily="34" charset="-120"/>
-                </a:endParaRPr>
               </a:p>
             </p:txBody>
           </p:sp>
@@ -19149,7 +18845,7 @@
               <a:lstStyle/>
               <a:p>
                 <a:r>
-                  <a:rPr lang="zh-TW" altLang="en-US" sz="2800" b="1" dirty="0" smtClean="0">
+                  <a:rPr lang="zh-TW" altLang="en-US" sz="2800" b="1" dirty="0">
                     <a:effectLst>
                       <a:outerShdw blurRad="38100" dist="38100" dir="2700000" algn="tl">
                         <a:srgbClr val="000000">
@@ -19163,7 +18859,7 @@
                   <a:t>青菜牛肉：</a:t>
                 </a:r>
                 <a:r>
-                  <a:rPr lang="en-US" altLang="zh-TW" sz="2800" b="1" dirty="0" smtClean="0">
+                  <a:rPr lang="en-US" altLang="zh-TW" sz="2800" b="1" dirty="0">
                     <a:effectLst>
                       <a:outerShdw blurRad="38100" dist="38100" dir="2700000" algn="tl">
                         <a:srgbClr val="000000">
@@ -19213,7 +18909,7 @@
               <a:lstStyle/>
               <a:p>
                 <a:r>
-                  <a:rPr lang="zh-TW" altLang="en-US" sz="2800" b="1" dirty="0" smtClean="0">
+                  <a:rPr lang="zh-TW" altLang="en-US" sz="2800" b="1" dirty="0">
                     <a:effectLst>
                       <a:outerShdw blurRad="38100" dist="38100" dir="2700000" algn="tl">
                         <a:srgbClr val="000000">
@@ -19227,7 +18923,7 @@
                   <a:t>炒魷魚：</a:t>
                 </a:r>
                 <a:r>
-                  <a:rPr lang="en-US" altLang="zh-TW" sz="2800" b="1" dirty="0" smtClean="0">
+                  <a:rPr lang="en-US" altLang="zh-TW" sz="2800" b="1" dirty="0">
                     <a:effectLst>
                       <a:outerShdw blurRad="38100" dist="38100" dir="2700000" algn="tl">
                         <a:srgbClr val="000000">
@@ -19277,7 +18973,7 @@
               <a:lstStyle/>
               <a:p>
                 <a:r>
-                  <a:rPr lang="zh-TW" altLang="en-US" sz="2800" b="1" dirty="0" smtClean="0">
+                  <a:rPr lang="zh-TW" altLang="en-US" sz="2800" b="1" dirty="0">
                     <a:effectLst>
                       <a:outerShdw blurRad="38100" dist="38100" dir="2700000" algn="tl">
                         <a:srgbClr val="000000">
@@ -19291,7 +18987,7 @@
                   <a:t>蝦仁炒蛋：</a:t>
                 </a:r>
                 <a:r>
-                  <a:rPr lang="en-US" altLang="zh-TW" sz="2800" b="1" dirty="0" smtClean="0">
+                  <a:rPr lang="en-US" altLang="zh-TW" sz="2800" b="1" dirty="0">
                     <a:effectLst>
                       <a:outerShdw blurRad="38100" dist="38100" dir="2700000" algn="tl">
                         <a:srgbClr val="000000">
@@ -19342,16 +19038,12 @@
             <a:lstStyle/>
             <a:p>
               <a:r>
-                <a:rPr lang="zh-TW" altLang="en-US" sz="2400" b="1" dirty="0" smtClean="0">
+                <a:rPr lang="zh-TW" altLang="en-US" sz="2400" b="1" dirty="0">
                   <a:latin typeface="Comic Sans MS" panose="030F0702030302020204" pitchFamily="66" charset="0"/>
                   <a:ea typeface="微軟正黑體" panose="020B0604030504040204" pitchFamily="34" charset="-120"/>
                 </a:rPr>
                 <a:t>使用者：餐廳</a:t>
               </a:r>
-              <a:endParaRPr lang="zh-TW" altLang="en-US" sz="2400" b="1" dirty="0">
-                <a:latin typeface="Comic Sans MS" panose="030F0702030302020204" pitchFamily="66" charset="0"/>
-                <a:ea typeface="微軟正黑體" panose="020B0604030504040204" pitchFamily="34" charset="-120"/>
-              </a:endParaRPr>
             </a:p>
           </p:txBody>
         </p:sp>
@@ -19466,7 +19158,7 @@
               <a:lstStyle/>
               <a:p>
                 <a:r>
-                  <a:rPr lang="en-US" altLang="zh-TW" sz="2800" b="1" dirty="0" smtClean="0">
+                  <a:rPr lang="en-US" altLang="zh-TW" sz="2800" b="1" dirty="0">
                     <a:solidFill>
                       <a:srgbClr val="FF0000"/>
                     </a:solidFill>
@@ -19483,7 +19175,7 @@
                   <a:t>OUTPUT</a:t>
                 </a:r>
                 <a:r>
-                  <a:rPr lang="zh-TW" altLang="en-US" sz="2800" b="1" dirty="0" smtClean="0">
+                  <a:rPr lang="zh-TW" altLang="en-US" sz="2800" b="1" dirty="0">
                     <a:solidFill>
                       <a:srgbClr val="FF0000"/>
                     </a:solidFill>
@@ -19499,20 +19191,6 @@
                   </a:rPr>
                   <a:t>：</a:t>
                 </a:r>
-                <a:endParaRPr lang="zh-TW" altLang="en-US" sz="2800" b="1" dirty="0">
-                  <a:solidFill>
-                    <a:srgbClr val="FF0000"/>
-                  </a:solidFill>
-                  <a:effectLst>
-                    <a:outerShdw blurRad="38100" dist="38100" dir="2700000" algn="tl">
-                      <a:srgbClr val="000000">
-                        <a:alpha val="43137"/>
-                      </a:srgbClr>
-                    </a:outerShdw>
-                  </a:effectLst>
-                  <a:latin typeface="Comic Sans MS" panose="030F0702030302020204" pitchFamily="66" charset="0"/>
-                  <a:ea typeface="微軟正黑體" panose="020B0604030504040204" pitchFamily="34" charset="-120"/>
-                </a:endParaRPr>
               </a:p>
             </p:txBody>
           </p:sp>
@@ -19539,7 +19217,7 @@
               <a:lstStyle/>
               <a:p>
                 <a:r>
-                  <a:rPr lang="en-US" altLang="zh-TW" sz="2800" b="1" dirty="0" smtClean="0">
+                  <a:rPr lang="en-US" altLang="zh-TW" sz="2800" b="1" dirty="0">
                     <a:solidFill>
                       <a:srgbClr val="FF0000"/>
                     </a:solidFill>
@@ -19556,7 +19234,7 @@
                   <a:t>OUTPUT</a:t>
                 </a:r>
                 <a:r>
-                  <a:rPr lang="zh-TW" altLang="en-US" sz="2800" b="1" dirty="0" smtClean="0">
+                  <a:rPr lang="zh-TW" altLang="en-US" sz="2800" b="1" dirty="0">
                     <a:solidFill>
                       <a:srgbClr val="FF0000"/>
                     </a:solidFill>
@@ -19572,7 +19250,7 @@
                   </a:rPr>
                   <a:t>：</a:t>
                 </a:r>
-                <a:endParaRPr lang="en-US" altLang="zh-TW" sz="2800" b="1" dirty="0" smtClean="0">
+                <a:endParaRPr lang="en-US" altLang="zh-TW" sz="2800" b="1" dirty="0">
                   <a:solidFill>
                     <a:srgbClr val="FF0000"/>
                   </a:solidFill>
@@ -19589,7 +19267,7 @@
               </a:p>
               <a:p>
                 <a:r>
-                  <a:rPr lang="en-US" altLang="zh-TW" sz="2800" b="1" dirty="0" smtClean="0">
+                  <a:rPr lang="en-US" altLang="zh-TW" sz="2800" b="1" dirty="0">
                     <a:solidFill>
                       <a:srgbClr val="FF0000"/>
                     </a:solidFill>
@@ -19606,7 +19284,7 @@
                   <a:t>1.</a:t>
                 </a:r>
                 <a:r>
-                  <a:rPr lang="zh-TW" altLang="en-US" sz="2800" b="1" dirty="0" smtClean="0">
+                  <a:rPr lang="zh-TW" altLang="en-US" sz="2800" b="1" dirty="0">
                     <a:solidFill>
                       <a:srgbClr val="FF0000"/>
                     </a:solidFill>
@@ -19622,7 +19300,7 @@
                   </a:rPr>
                   <a:t>推薦菜品</a:t>
                 </a:r>
-                <a:endParaRPr lang="en-US" altLang="zh-TW" sz="2800" b="1" dirty="0" smtClean="0">
+                <a:endParaRPr lang="en-US" altLang="zh-TW" sz="2800" b="1" dirty="0">
                   <a:solidFill>
                     <a:srgbClr val="FF0000"/>
                   </a:solidFill>
@@ -19639,7 +19317,7 @@
               </a:p>
               <a:p>
                 <a:r>
-                  <a:rPr lang="en-US" altLang="zh-TW" sz="2800" b="1" dirty="0" smtClean="0">
+                  <a:rPr lang="en-US" altLang="zh-TW" sz="2800" b="1" dirty="0">
                     <a:solidFill>
                       <a:srgbClr val="FF0000"/>
                     </a:solidFill>
@@ -19656,23 +19334,6 @@
                   <a:t>2.</a:t>
                 </a:r>
                 <a:r>
-                  <a:rPr lang="zh-TW" altLang="en-US" sz="2800" b="1" dirty="0" smtClean="0">
-                    <a:solidFill>
-                      <a:srgbClr val="FF0000"/>
-                    </a:solidFill>
-                    <a:effectLst>
-                      <a:outerShdw blurRad="38100" dist="38100" dir="2700000" algn="tl">
-                        <a:srgbClr val="000000">
-                          <a:alpha val="43137"/>
-                        </a:srgbClr>
-                      </a:outerShdw>
-                    </a:effectLst>
-                    <a:latin typeface="Comic Sans MS" panose="030F0702030302020204" pitchFamily="66" charset="0"/>
-                    <a:ea typeface="微軟正黑體" panose="020B0604030504040204" pitchFamily="34" charset="-120"/>
-                  </a:rPr>
-                  <a:t>菜品平均等待時</a:t>
-                </a:r>
-                <a:r>
                   <a:rPr lang="zh-TW" altLang="en-US" sz="2800" b="1" dirty="0">
                     <a:solidFill>
                       <a:srgbClr val="FF0000"/>
@@ -19687,7 +19348,7 @@
                     <a:latin typeface="Comic Sans MS" panose="030F0702030302020204" pitchFamily="66" charset="0"/>
                     <a:ea typeface="微軟正黑體" panose="020B0604030504040204" pitchFamily="34" charset="-120"/>
                   </a:rPr>
-                  <a:t>間</a:t>
+                  <a:t>菜品平均等待時間</a:t>
                 </a:r>
               </a:p>
             </p:txBody>
@@ -19807,7 +19468,7 @@
               <a:lstStyle/>
               <a:p>
                 <a:r>
-                  <a:rPr lang="en-US" altLang="zh-TW" sz="2800" b="1" dirty="0" smtClean="0">
+                  <a:rPr lang="en-US" altLang="zh-TW" sz="2800" b="1" dirty="0">
                     <a:solidFill>
                       <a:srgbClr val="FF0000"/>
                     </a:solidFill>
@@ -19824,7 +19485,7 @@
                   <a:t>INPUT</a:t>
                 </a:r>
                 <a:r>
-                  <a:rPr lang="zh-TW" altLang="en-US" sz="2800" b="1" dirty="0" smtClean="0">
+                  <a:rPr lang="zh-TW" altLang="en-US" sz="2800" b="1" dirty="0">
                     <a:solidFill>
                       <a:srgbClr val="FF0000"/>
                     </a:solidFill>
@@ -19840,20 +19501,6 @@
                   </a:rPr>
                   <a:t>：</a:t>
                 </a:r>
-                <a:endParaRPr lang="zh-TW" altLang="en-US" sz="2800" b="1" dirty="0">
-                  <a:solidFill>
-                    <a:srgbClr val="FF0000"/>
-                  </a:solidFill>
-                  <a:effectLst>
-                    <a:outerShdw blurRad="38100" dist="38100" dir="2700000" algn="tl">
-                      <a:srgbClr val="000000">
-                        <a:alpha val="43137"/>
-                      </a:srgbClr>
-                    </a:outerShdw>
-                  </a:effectLst>
-                  <a:latin typeface="Comic Sans MS" panose="030F0702030302020204" pitchFamily="66" charset="0"/>
-                  <a:ea typeface="微軟正黑體" panose="020B0604030504040204" pitchFamily="34" charset="-120"/>
-                </a:endParaRPr>
               </a:p>
             </p:txBody>
           </p:sp>
@@ -19880,7 +19527,7 @@
               <a:lstStyle/>
               <a:p>
                 <a:r>
-                  <a:rPr lang="en-US" altLang="zh-TW" sz="2800" b="1" dirty="0" smtClean="0">
+                  <a:rPr lang="en-US" altLang="zh-TW" sz="2800" b="1" dirty="0">
                     <a:solidFill>
                       <a:srgbClr val="FF0000"/>
                     </a:solidFill>
@@ -19897,7 +19544,7 @@
                   <a:t>INPUT</a:t>
                 </a:r>
                 <a:r>
-                  <a:rPr lang="zh-TW" altLang="en-US" sz="2800" b="1" dirty="0" smtClean="0">
+                  <a:rPr lang="zh-TW" altLang="en-US" sz="2800" b="1" dirty="0">
                     <a:solidFill>
                       <a:srgbClr val="FF0000"/>
                     </a:solidFill>
@@ -19913,7 +19560,7 @@
                   </a:rPr>
                   <a:t>：</a:t>
                 </a:r>
-                <a:endParaRPr lang="en-US" altLang="zh-TW" sz="2800" b="1" dirty="0" smtClean="0">
+                <a:endParaRPr lang="en-US" altLang="zh-TW" sz="2800" b="1" dirty="0">
                   <a:solidFill>
                     <a:srgbClr val="FF0000"/>
                   </a:solidFill>
@@ -19930,23 +19577,6 @@
               </a:p>
               <a:p>
                 <a:r>
-                  <a:rPr lang="en-US" altLang="zh-TW" sz="2200" b="1" dirty="0" smtClean="0">
-                    <a:solidFill>
-                      <a:srgbClr val="FF0000"/>
-                    </a:solidFill>
-                    <a:effectLst>
-                      <a:outerShdw blurRad="38100" dist="38100" dir="2700000" algn="tl">
-                        <a:srgbClr val="000000">
-                          <a:alpha val="43137"/>
-                        </a:srgbClr>
-                      </a:outerShdw>
-                    </a:effectLst>
-                    <a:latin typeface="Comic Sans MS" panose="030F0702030302020204" pitchFamily="66" charset="0"/>
-                    <a:ea typeface="微軟正黑體" panose="020B0604030504040204" pitchFamily="34" charset="-120"/>
-                  </a:rPr>
-                  <a:t>(</a:t>
-                </a:r>
-                <a:r>
                   <a:rPr lang="en-US" altLang="zh-TW" sz="2200" b="1" dirty="0">
                     <a:solidFill>
                       <a:srgbClr val="FF0000"/>
@@ -19961,24 +19591,7 @@
                     <a:latin typeface="Comic Sans MS" panose="030F0702030302020204" pitchFamily="66" charset="0"/>
                     <a:ea typeface="微軟正黑體" panose="020B0604030504040204" pitchFamily="34" charset="-120"/>
                   </a:rPr>
-                  <a:t>2 * 2 + 3 * 2 ) / 5 = </a:t>
-                </a:r>
-                <a:r>
-                  <a:rPr lang="en-US" altLang="zh-TW" sz="2200" b="1" dirty="0" smtClean="0">
-                    <a:solidFill>
-                      <a:srgbClr val="FF0000"/>
-                    </a:solidFill>
-                    <a:effectLst>
-                      <a:outerShdw blurRad="38100" dist="38100" dir="2700000" algn="tl">
-                        <a:srgbClr val="000000">
-                          <a:alpha val="43137"/>
-                        </a:srgbClr>
-                      </a:outerShdw>
-                    </a:effectLst>
-                    <a:latin typeface="Comic Sans MS" panose="030F0702030302020204" pitchFamily="66" charset="0"/>
-                    <a:ea typeface="微軟正黑體" panose="020B0604030504040204" pitchFamily="34" charset="-120"/>
-                  </a:rPr>
-                  <a:t>2</a:t>
+                  <a:t>(2 * 2 + 3 * 2 ) / 5 = 2</a:t>
                 </a:r>
               </a:p>
             </p:txBody>
@@ -20006,7 +19619,7 @@
             <a:lstStyle/>
             <a:p>
               <a:r>
-                <a:rPr lang="en-US" altLang="zh-TW" sz="2400" b="1" dirty="0" smtClean="0">
+                <a:rPr lang="en-US" altLang="zh-TW" sz="2400" b="1" dirty="0">
                   <a:solidFill>
                     <a:srgbClr val="FF0000"/>
                   </a:solidFill>
@@ -20023,23 +19636,6 @@
                 <a:t>(</a:t>
               </a:r>
               <a:r>
-                <a:rPr lang="zh-TW" altLang="en-US" sz="2400" b="1" dirty="0" smtClean="0">
-                  <a:solidFill>
-                    <a:srgbClr val="FF0000"/>
-                  </a:solidFill>
-                  <a:effectLst>
-                    <a:outerShdw blurRad="38100" dist="38100" dir="2700000" algn="tl">
-                      <a:srgbClr val="000000">
-                        <a:alpha val="43137"/>
-                      </a:srgbClr>
-                    </a:outerShdw>
-                  </a:effectLst>
-                  <a:latin typeface="Comic Sans MS" panose="030F0702030302020204" pitchFamily="66" charset="0"/>
-                  <a:ea typeface="微軟正黑體" panose="020B0604030504040204" pitchFamily="34" charset="-120"/>
-                </a:rPr>
-                <a:t>目前</a:t>
-              </a:r>
-              <a:r>
                 <a:rPr lang="zh-TW" altLang="en-US" sz="2400" b="1" dirty="0">
                   <a:solidFill>
                     <a:srgbClr val="FF0000"/>
@@ -20054,27 +19650,10 @@
                   <a:latin typeface="Comic Sans MS" panose="030F0702030302020204" pitchFamily="66" charset="0"/>
                   <a:ea typeface="微軟正黑體" panose="020B0604030504040204" pitchFamily="34" charset="-120"/>
                 </a:rPr>
-                <a:t>需等待</a:t>
+                <a:t>目前需等待單位</a:t>
               </a:r>
               <a:r>
-                <a:rPr lang="zh-TW" altLang="en-US" sz="2400" b="1" dirty="0" smtClean="0">
-                  <a:solidFill>
-                    <a:srgbClr val="FF0000"/>
-                  </a:solidFill>
-                  <a:effectLst>
-                    <a:outerShdw blurRad="38100" dist="38100" dir="2700000" algn="tl">
-                      <a:srgbClr val="000000">
-                        <a:alpha val="43137"/>
-                      </a:srgbClr>
-                    </a:outerShdw>
-                  </a:effectLst>
-                  <a:latin typeface="Comic Sans MS" panose="030F0702030302020204" pitchFamily="66" charset="0"/>
-                  <a:ea typeface="微軟正黑體" panose="020B0604030504040204" pitchFamily="34" charset="-120"/>
-                </a:rPr>
-                <a:t>單位</a:t>
-              </a:r>
-              <a:r>
-                <a:rPr lang="en-US" altLang="zh-TW" sz="2400" b="1" dirty="0" smtClean="0">
+                <a:rPr lang="en-US" altLang="zh-TW" sz="2400" b="1" dirty="0">
                   <a:solidFill>
                     <a:srgbClr val="FF0000"/>
                   </a:solidFill>
@@ -20145,71 +19724,67 @@
             <a:lstStyle/>
             <a:p>
               <a:r>
-                <a:rPr lang="zh-TW" altLang="en-US" sz="4000" b="1" dirty="0" smtClean="0">
+                <a:rPr lang="zh-TW" altLang="en-US" sz="4000" b="1" dirty="0">
                   <a:latin typeface="Comic Sans MS" panose="030F0702030302020204" pitchFamily="66" charset="0"/>
                   <a:ea typeface="微軟正黑體" panose="020B0604030504040204" pitchFamily="34" charset="-120"/>
                 </a:rPr>
                 <a:t>每個單位需要</a:t>
               </a:r>
               <a:r>
-                <a:rPr lang="en-US" altLang="zh-TW" sz="4000" b="1" dirty="0" smtClean="0">
+                <a:rPr lang="en-US" altLang="zh-TW" sz="4000" b="1" dirty="0">
                   <a:latin typeface="Comic Sans MS" panose="030F0702030302020204" pitchFamily="66" charset="0"/>
                   <a:ea typeface="微軟正黑體" panose="020B0604030504040204" pitchFamily="34" charset="-120"/>
                 </a:rPr>
                 <a:t>5</a:t>
               </a:r>
               <a:r>
-                <a:rPr lang="zh-TW" altLang="en-US" sz="4000" b="1" dirty="0" smtClean="0">
+                <a:rPr lang="zh-TW" altLang="en-US" sz="4000" b="1" dirty="0">
                   <a:latin typeface="Comic Sans MS" panose="030F0702030302020204" pitchFamily="66" charset="0"/>
                   <a:ea typeface="微軟正黑體" panose="020B0604030504040204" pitchFamily="34" charset="-120"/>
                 </a:rPr>
                 <a:t>分鐘</a:t>
               </a:r>
-              <a:endParaRPr lang="en-US" altLang="zh-TW" sz="4000" b="1" dirty="0" smtClean="0">
+              <a:endParaRPr lang="en-US" altLang="zh-TW" sz="4000" b="1" dirty="0">
                 <a:latin typeface="Comic Sans MS" panose="030F0702030302020204" pitchFamily="66" charset="0"/>
                 <a:ea typeface="微軟正黑體" panose="020B0604030504040204" pitchFamily="34" charset="-120"/>
               </a:endParaRPr>
             </a:p>
             <a:p>
               <a:r>
-                <a:rPr lang="zh-TW" altLang="en-US" sz="4000" b="1" dirty="0" smtClean="0">
+                <a:rPr lang="zh-TW" altLang="en-US" sz="4000" b="1" dirty="0">
                   <a:latin typeface="Comic Sans MS" panose="030F0702030302020204" pitchFamily="66" charset="0"/>
                   <a:ea typeface="微軟正黑體" panose="020B0604030504040204" pitchFamily="34" charset="-120"/>
                 </a:rPr>
                 <a:t>每</a:t>
               </a:r>
               <a:r>
-                <a:rPr lang="en-US" altLang="zh-TW" sz="4000" b="1" dirty="0" smtClean="0">
+                <a:rPr lang="en-US" altLang="zh-TW" sz="4000" b="1" dirty="0">
                   <a:latin typeface="Comic Sans MS" panose="030F0702030302020204" pitchFamily="66" charset="0"/>
                   <a:ea typeface="微軟正黑體" panose="020B0604030504040204" pitchFamily="34" charset="-120"/>
                 </a:rPr>
                 <a:t>5</a:t>
               </a:r>
               <a:r>
-                <a:rPr lang="zh-TW" altLang="en-US" sz="4000" b="1" dirty="0" smtClean="0">
+                <a:rPr lang="zh-TW" altLang="en-US" sz="4000" b="1" dirty="0">
                   <a:latin typeface="Comic Sans MS" panose="030F0702030302020204" pitchFamily="66" charset="0"/>
                   <a:ea typeface="微軟正黑體" panose="020B0604030504040204" pitchFamily="34" charset="-120"/>
                 </a:rPr>
                 <a:t>分鐘可完成</a:t>
               </a:r>
               <a:r>
-                <a:rPr lang="en-US" altLang="zh-TW" sz="4000" b="1" dirty="0" smtClean="0">
+                <a:rPr lang="en-US" altLang="zh-TW" sz="4000" b="1" dirty="0">
                   <a:latin typeface="Comic Sans MS" panose="030F0702030302020204" pitchFamily="66" charset="0"/>
                   <a:ea typeface="微軟正黑體" panose="020B0604030504040204" pitchFamily="34" charset="-120"/>
                 </a:rPr>
                 <a:t>5</a:t>
               </a:r>
               <a:r>
-                <a:rPr lang="zh-TW" altLang="en-US" sz="4000" b="1" dirty="0" smtClean="0">
+                <a:rPr lang="zh-TW" altLang="en-US" sz="4000" b="1" dirty="0">
                   <a:latin typeface="Comic Sans MS" panose="030F0702030302020204" pitchFamily="66" charset="0"/>
                   <a:ea typeface="微軟正黑體" panose="020B0604030504040204" pitchFamily="34" charset="-120"/>
                 </a:rPr>
                 <a:t>個單位</a:t>
               </a:r>
-              <a:endParaRPr lang="zh-TW" altLang="en-US" sz="4000" b="1" dirty="0">
-                <a:latin typeface="Comic Sans MS" panose="030F0702030302020204" pitchFamily="66" charset="0"/>
-                <a:ea typeface="微軟正黑體" panose="020B0604030504040204" pitchFamily="34" charset="-120"/>
-              </a:endParaRPr>
             </a:p>
           </p:txBody>
         </p:sp>
@@ -20236,16 +19811,12 @@
             <a:lstStyle/>
             <a:p>
               <a:r>
-                <a:rPr lang="zh-TW" altLang="en-US" sz="4000" b="1" dirty="0" smtClean="0">
+                <a:rPr lang="zh-TW" altLang="en-US" sz="4000" b="1" dirty="0">
                   <a:latin typeface="Comic Sans MS" panose="030F0702030302020204" pitchFamily="66" charset="0"/>
                   <a:ea typeface="微軟正黑體" panose="020B0604030504040204" pitchFamily="34" charset="-120"/>
                 </a:rPr>
                 <a:t>前提：</a:t>
               </a:r>
-              <a:endParaRPr lang="zh-TW" altLang="en-US" sz="4000" b="1" dirty="0">
-                <a:latin typeface="Comic Sans MS" panose="030F0702030302020204" pitchFamily="66" charset="0"/>
-                <a:ea typeface="微軟正黑體" panose="020B0604030504040204" pitchFamily="34" charset="-120"/>
-              </a:endParaRPr>
             </a:p>
           </p:txBody>
         </p:sp>
@@ -20294,14 +19865,14 @@
                 <a:t>青菜牛肉</a:t>
               </a:r>
               <a:r>
-                <a:rPr lang="en-US" altLang="zh-TW" sz="4000" b="1" dirty="0" smtClean="0">
+                <a:rPr lang="en-US" altLang="zh-TW" sz="4000" b="1" dirty="0">
                   <a:latin typeface="Comic Sans MS" panose="030F0702030302020204" pitchFamily="66" charset="0"/>
                   <a:ea typeface="微軟正黑體" panose="020B0604030504040204" pitchFamily="34" charset="-120"/>
                 </a:rPr>
                 <a:t>1</a:t>
               </a:r>
               <a:r>
-                <a:rPr lang="zh-TW" altLang="en-US" sz="4000" b="1" dirty="0" smtClean="0">
+                <a:rPr lang="zh-TW" altLang="en-US" sz="4000" b="1" dirty="0">
                   <a:latin typeface="Comic Sans MS" panose="030F0702030302020204" pitchFamily="66" charset="0"/>
                   <a:ea typeface="微軟正黑體" panose="020B0604030504040204" pitchFamily="34" charset="-120"/>
                 </a:rPr>
@@ -20314,66 +19885,52 @@
             </a:p>
             <a:p>
               <a:r>
-                <a:rPr lang="zh-TW" altLang="en-US" sz="4000" b="1" dirty="0" smtClean="0">
+                <a:rPr lang="zh-TW" altLang="en-US" sz="4000" b="1" dirty="0">
                   <a:latin typeface="Comic Sans MS" panose="030F0702030302020204" pitchFamily="66" charset="0"/>
                   <a:ea typeface="微軟正黑體" panose="020B0604030504040204" pitchFamily="34" charset="-120"/>
                 </a:rPr>
                 <a:t>炒魷魚</a:t>
               </a:r>
               <a:r>
-                <a:rPr lang="en-US" altLang="zh-TW" sz="4000" b="1" dirty="0" smtClean="0">
+                <a:rPr lang="en-US" altLang="zh-TW" sz="4000" b="1" dirty="0">
                   <a:latin typeface="Comic Sans MS" panose="030F0702030302020204" pitchFamily="66" charset="0"/>
                   <a:ea typeface="微軟正黑體" panose="020B0604030504040204" pitchFamily="34" charset="-120"/>
                 </a:rPr>
                 <a:t>2</a:t>
               </a:r>
               <a:r>
-                <a:rPr lang="zh-TW" altLang="en-US" sz="4000" b="1" dirty="0" smtClean="0">
+                <a:rPr lang="zh-TW" altLang="en-US" sz="4000" b="1" dirty="0">
                   <a:latin typeface="Comic Sans MS" panose="030F0702030302020204" pitchFamily="66" charset="0"/>
                   <a:ea typeface="微軟正黑體" panose="020B0604030504040204" pitchFamily="34" charset="-120"/>
                 </a:rPr>
                 <a:t>單位</a:t>
               </a:r>
-              <a:endParaRPr lang="en-US" altLang="zh-TW" sz="4000" b="1" dirty="0" smtClean="0">
+              <a:endParaRPr lang="en-US" altLang="zh-TW" sz="4000" b="1" dirty="0">
                 <a:latin typeface="Comic Sans MS" panose="030F0702030302020204" pitchFamily="66" charset="0"/>
                 <a:ea typeface="微軟正黑體" panose="020B0604030504040204" pitchFamily="34" charset="-120"/>
               </a:endParaRPr>
             </a:p>
             <a:p>
               <a:r>
-                <a:rPr lang="zh-TW" altLang="en-US" sz="4000" b="1" dirty="0" smtClean="0">
+                <a:rPr lang="zh-TW" altLang="en-US" sz="4000" b="1" dirty="0">
                   <a:latin typeface="Comic Sans MS" panose="030F0702030302020204" pitchFamily="66" charset="0"/>
                   <a:ea typeface="微軟正黑體" panose="020B0604030504040204" pitchFamily="34" charset="-120"/>
                 </a:rPr>
-                <a:t>蝦仁</a:t>
+                <a:t>蝦仁炒蛋</a:t>
+              </a:r>
+              <a:r>
+                <a:rPr lang="en-US" altLang="zh-TW" sz="4000" b="1" dirty="0">
+                  <a:latin typeface="Comic Sans MS" panose="030F0702030302020204" pitchFamily="66" charset="0"/>
+                  <a:ea typeface="微軟正黑體" panose="020B0604030504040204" pitchFamily="34" charset="-120"/>
+                </a:rPr>
+                <a:t>2</a:t>
               </a:r>
               <a:r>
                 <a:rPr lang="zh-TW" altLang="en-US" sz="4000" b="1" dirty="0">
                   <a:latin typeface="Comic Sans MS" panose="030F0702030302020204" pitchFamily="66" charset="0"/>
                   <a:ea typeface="微軟正黑體" panose="020B0604030504040204" pitchFamily="34" charset="-120"/>
                 </a:rPr>
-                <a:t>炒蛋</a:t>
-              </a:r>
-              <a:r>
-                <a:rPr lang="en-US" altLang="zh-TW" sz="4000" b="1" dirty="0" smtClean="0">
-                  <a:latin typeface="Comic Sans MS" panose="030F0702030302020204" pitchFamily="66" charset="0"/>
-                  <a:ea typeface="微軟正黑體" panose="020B0604030504040204" pitchFamily="34" charset="-120"/>
-                </a:rPr>
-                <a:t>2</a:t>
-              </a:r>
-              <a:r>
-                <a:rPr lang="zh-TW" altLang="en-US" sz="4000" b="1" dirty="0" smtClean="0">
-                  <a:latin typeface="Comic Sans MS" panose="030F0702030302020204" pitchFamily="66" charset="0"/>
-                  <a:ea typeface="微軟正黑體" panose="020B0604030504040204" pitchFamily="34" charset="-120"/>
-                </a:rPr>
-                <a:t>單</a:t>
-              </a:r>
-              <a:r>
-                <a:rPr lang="zh-TW" altLang="en-US" sz="4000" b="1" dirty="0">
-                  <a:latin typeface="Comic Sans MS" panose="030F0702030302020204" pitchFamily="66" charset="0"/>
-                  <a:ea typeface="微軟正黑體" panose="020B0604030504040204" pitchFamily="34" charset="-120"/>
-                </a:rPr>
-                <a:t>位</a:t>
+                <a:t>單位</a:t>
               </a:r>
             </a:p>
           </p:txBody>
@@ -20405,23 +19962,47 @@
                   <a:latin typeface="Comic Sans MS" panose="030F0702030302020204" pitchFamily="66" charset="0"/>
                   <a:ea typeface="微軟正黑體" panose="020B0604030504040204" pitchFamily="34" charset="-120"/>
                 </a:rPr>
-                <a:t>範例</a:t>
+                <a:t>範例：</a:t>
               </a:r>
-              <a:r>
-                <a:rPr lang="zh-TW" altLang="en-US" sz="4000" b="1" dirty="0" smtClean="0">
-                  <a:latin typeface="Comic Sans MS" panose="030F0702030302020204" pitchFamily="66" charset="0"/>
-                  <a:ea typeface="微軟正黑體" panose="020B0604030504040204" pitchFamily="34" charset="-120"/>
-                </a:rPr>
-                <a:t>：</a:t>
-              </a:r>
-              <a:endParaRPr lang="zh-TW" altLang="en-US" sz="4000" b="1" dirty="0">
-                <a:latin typeface="Comic Sans MS" panose="030F0702030302020204" pitchFamily="66" charset="0"/>
-                <a:ea typeface="微軟正黑體" panose="020B0604030504040204" pitchFamily="34" charset="-120"/>
-              </a:endParaRPr>
             </a:p>
           </p:txBody>
         </p:sp>
       </p:grpSp>
+      <p:sp>
+        <p:nvSpPr>
+          <p:cNvPr id="2" name="投影片編號版面配置區 1">
+            <a:extLst>
+              <a:ext uri="{FF2B5EF4-FFF2-40B4-BE49-F238E27FC236}">
+                <a16:creationId xmlns:a16="http://schemas.microsoft.com/office/drawing/2014/main" id="{23710674-8480-401B-A03D-CCC263EE8261}"/>
+              </a:ext>
+            </a:extLst>
+          </p:cNvPr>
+          <p:cNvSpPr>
+            <a:spLocks noGrp="1"/>
+          </p:cNvSpPr>
+          <p:nvPr>
+            <p:ph type="sldNum" sz="quarter" idx="4294967295"/>
+          </p:nvPr>
+        </p:nvSpPr>
+        <p:spPr>
+          <a:xfrm>
+            <a:off x="9333050" y="6374622"/>
+            <a:ext cx="2743200" cy="365125"/>
+          </a:xfrm>
+        </p:spPr>
+        <p:txBody>
+          <a:bodyPr/>
+          <a:lstStyle/>
+          <a:p>
+            <a:fld id="{795E361D-9413-4254-AA94-27C90436F983}" type="slidenum">
+              <a:rPr lang="en-US" altLang="zh-TW" smtClean="0"/>
+              <a:pPr/>
+              <a:t>7</a:t>
+            </a:fld>
+            <a:endParaRPr lang="en-US" dirty="0"/>
+          </a:p>
+        </p:txBody>
+      </p:sp>
     </p:spTree>
     <p:extLst>
       <p:ext uri="{BB962C8B-B14F-4D97-AF65-F5344CB8AC3E}">
@@ -20888,7 +20469,7 @@
               <a:lstStyle/>
               <a:p>
                 <a:r>
-                  <a:rPr lang="en-US" altLang="zh-TW" sz="8000" b="1" dirty="0" smtClean="0">
+                  <a:rPr lang="en-US" altLang="zh-TW" sz="8000" b="1" dirty="0">
                     <a:solidFill>
                       <a:schemeClr val="bg2">
                         <a:lumMod val="75000"/>
@@ -20932,7 +20513,7 @@
               <a:lstStyle/>
               <a:p>
                 <a:r>
-                  <a:rPr lang="en-US" altLang="zh-TW" sz="8000" b="1" dirty="0" smtClean="0">
+                  <a:rPr lang="en-US" altLang="zh-TW" sz="8000" b="1" dirty="0">
                     <a:latin typeface="Comic Sans MS" panose="030F0702030302020204" pitchFamily="66" charset="0"/>
                     <a:ea typeface="AaKLYLDYW (Non-Commercial Use)" panose="02010600010101010101" pitchFamily="2" charset="-122"/>
                   </a:rPr>
@@ -20981,7 +20562,7 @@
               <a:lstStyle/>
               <a:p>
                 <a:r>
-                  <a:rPr lang="en-US" altLang="zh-TW" sz="9600" b="1" dirty="0" smtClean="0">
+                  <a:rPr lang="en-US" altLang="zh-TW" sz="9600" b="1" dirty="0">
                     <a:solidFill>
                       <a:schemeClr val="bg2">
                         <a:lumMod val="75000"/>
@@ -21020,7 +20601,7 @@
               <a:lstStyle/>
               <a:p>
                 <a:r>
-                  <a:rPr lang="en-US" altLang="zh-TW" sz="9600" b="1" dirty="0" smtClean="0">
+                  <a:rPr lang="en-US" altLang="zh-TW" sz="9600" b="1" dirty="0">
                     <a:latin typeface="Comic Sans MS" panose="030F0702030302020204" pitchFamily="66" charset="0"/>
                     <a:ea typeface="AaKLYLDYW (Non-Commercial Use)" panose="02010600010101010101" pitchFamily="2" charset="-122"/>
                   </a:rPr>
@@ -21107,7 +20688,7 @@
             <a:lstStyle/>
             <a:p>
               <a:r>
-                <a:rPr lang="zh-TW" altLang="en-US" sz="8000" b="1" dirty="0" smtClean="0">
+                <a:rPr lang="zh-TW" altLang="en-US" sz="8000" b="1" dirty="0">
                   <a:effectLst>
                     <a:outerShdw blurRad="38100" dist="38100" dir="2700000" algn="tl">
                       <a:srgbClr val="000000">
@@ -21569,7 +21150,7 @@
           <a:lstStyle/>
           <a:p>
             <a:r>
-              <a:rPr lang="en-US" altLang="zh-TW" sz="7200" b="1" dirty="0" smtClean="0">
+              <a:rPr lang="en-US" altLang="zh-TW" sz="7200" b="1" dirty="0">
                 <a:solidFill>
                   <a:schemeClr val="bg1"/>
                 </a:solidFill>
@@ -21856,6 +21437,41 @@
           </p:txBody>
         </p:sp>
       </p:grpSp>
+      <p:sp>
+        <p:nvSpPr>
+          <p:cNvPr id="6" name="投影片編號版面配置區 5">
+            <a:extLst>
+              <a:ext uri="{FF2B5EF4-FFF2-40B4-BE49-F238E27FC236}">
+                <a16:creationId xmlns:a16="http://schemas.microsoft.com/office/drawing/2014/main" id="{808A6292-0377-479B-9C83-721FDC6A349E}"/>
+              </a:ext>
+            </a:extLst>
+          </p:cNvPr>
+          <p:cNvSpPr>
+            <a:spLocks noGrp="1"/>
+          </p:cNvSpPr>
+          <p:nvPr>
+            <p:ph type="sldNum" sz="quarter" idx="4294967295"/>
+          </p:nvPr>
+        </p:nvSpPr>
+        <p:spPr>
+          <a:xfrm>
+            <a:off x="9448800" y="6490370"/>
+            <a:ext cx="2743200" cy="365125"/>
+          </a:xfrm>
+        </p:spPr>
+        <p:txBody>
+          <a:bodyPr/>
+          <a:lstStyle/>
+          <a:p>
+            <a:fld id="{795E361D-9413-4254-AA94-27C90436F983}" type="slidenum">
+              <a:rPr lang="en-US" altLang="zh-TW" smtClean="0"/>
+              <a:pPr/>
+              <a:t>9</a:t>
+            </a:fld>
+            <a:endParaRPr lang="en-US" dirty="0"/>
+          </a:p>
+        </p:txBody>
+      </p:sp>
     </p:spTree>
     <p:extLst>
       <p:ext uri="{BB962C8B-B14F-4D97-AF65-F5344CB8AC3E}">
@@ -21866,14 +21482,6 @@
   <p:clrMapOvr>
     <a:masterClrMapping/>
   </p:clrMapOvr>
-  <mc:AlternateContent xmlns:mc="http://schemas.openxmlformats.org/markup-compatibility/2006" xmlns:p14="http://schemas.microsoft.com/office/powerpoint/2010/main">
-    <mc:Choice Requires="p14">
-      <p:transition spd="slow" p14:dur="2000"/>
-    </mc:Choice>
-    <mc:Fallback xmlns="">
-      <p:transition spd="slow"/>
-    </mc:Fallback>
-  </mc:AlternateContent>
   <p:timing>
     <p:tnLst>
       <p:par>
